--- a/hw04.pptx
+++ b/hw04.pptx
@@ -4,8 +4,25 @@
   <p:sldMasterIdLst>
     <p:sldMasterId id="2147483648" r:id="rId1"/>
   </p:sldMasterIdLst>
+  <p:notesMasterIdLst>
+    <p:notesMasterId r:id="rId17"/>
+  </p:notesMasterIdLst>
   <p:sldIdLst>
     <p:sldId id="256" r:id="rId2"/>
+    <p:sldId id="257" r:id="rId3"/>
+    <p:sldId id="258" r:id="rId4"/>
+    <p:sldId id="259" r:id="rId5"/>
+    <p:sldId id="263" r:id="rId6"/>
+    <p:sldId id="264" r:id="rId7"/>
+    <p:sldId id="265" r:id="rId8"/>
+    <p:sldId id="266" r:id="rId9"/>
+    <p:sldId id="267" r:id="rId10"/>
+    <p:sldId id="268" r:id="rId11"/>
+    <p:sldId id="269" r:id="rId12"/>
+    <p:sldId id="270" r:id="rId13"/>
+    <p:sldId id="260" r:id="rId14"/>
+    <p:sldId id="261" r:id="rId15"/>
+    <p:sldId id="262" r:id="rId16"/>
   </p:sldIdLst>
   <p:sldSz cx="12192000" cy="6858000"/>
   <p:notesSz cx="6858000" cy="9144000"/>
@@ -104,7 +121,1698 @@
       </a:defRPr>
     </a:lvl9pPr>
   </p:defaultTextStyle>
+  <p:extLst>
+    <p:ext uri="{EFAFB233-063F-42B5-8137-9DF3F51BA10A}">
+      <p15:sldGuideLst xmlns:p15="http://schemas.microsoft.com/office/powerpoint/2012/main"/>
+    </p:ext>
+  </p:extLst>
 </p:presentation>
+</file>
+
+<file path=ppt/notesMasters/notesMaster1.xml><?xml version="1.0" encoding="utf-8"?>
+<p:notesMaster xmlns:a="http://schemas.openxmlformats.org/drawingml/2006/main" xmlns:r="http://schemas.openxmlformats.org/officeDocument/2006/relationships" xmlns:p="http://schemas.openxmlformats.org/presentationml/2006/main">
+  <p:cSld>
+    <p:bg>
+      <p:bgRef idx="1001">
+        <a:schemeClr val="bg1"/>
+      </p:bgRef>
+    </p:bg>
+    <p:spTree>
+      <p:nvGrpSpPr>
+        <p:cNvPr id="1" name=""/>
+        <p:cNvGrpSpPr/>
+        <p:nvPr/>
+      </p:nvGrpSpPr>
+      <p:grpSpPr>
+        <a:xfrm>
+          <a:off x="0" y="0"/>
+          <a:ext cx="0" cy="0"/>
+          <a:chOff x="0" y="0"/>
+          <a:chExt cx="0" cy="0"/>
+        </a:xfrm>
+      </p:grpSpPr>
+      <p:sp>
+        <p:nvSpPr>
+          <p:cNvPr id="2" name="頁首版面配置區 1"/>
+          <p:cNvSpPr>
+            <a:spLocks noGrp="1"/>
+          </p:cNvSpPr>
+          <p:nvPr>
+            <p:ph type="hdr" sz="quarter"/>
+          </p:nvPr>
+        </p:nvSpPr>
+        <p:spPr>
+          <a:xfrm>
+            <a:off x="0" y="0"/>
+            <a:ext cx="2971800" cy="458788"/>
+          </a:xfrm>
+          <a:prstGeom prst="rect">
+            <a:avLst/>
+          </a:prstGeom>
+        </p:spPr>
+        <p:txBody>
+          <a:bodyPr vert="horz" lIns="91440" tIns="45720" rIns="91440" bIns="45720" rtlCol="0"/>
+          <a:lstStyle>
+            <a:lvl1pPr algn="l">
+              <a:defRPr sz="1200"/>
+            </a:lvl1pPr>
+          </a:lstStyle>
+          <a:p>
+            <a:endParaRPr lang="zh-TW" altLang="en-US"/>
+          </a:p>
+        </p:txBody>
+      </p:sp>
+      <p:sp>
+        <p:nvSpPr>
+          <p:cNvPr id="3" name="日期版面配置區 2"/>
+          <p:cNvSpPr>
+            <a:spLocks noGrp="1"/>
+          </p:cNvSpPr>
+          <p:nvPr>
+            <p:ph type="dt" idx="1"/>
+          </p:nvPr>
+        </p:nvSpPr>
+        <p:spPr>
+          <a:xfrm>
+            <a:off x="3884613" y="0"/>
+            <a:ext cx="2971800" cy="458788"/>
+          </a:xfrm>
+          <a:prstGeom prst="rect">
+            <a:avLst/>
+          </a:prstGeom>
+        </p:spPr>
+        <p:txBody>
+          <a:bodyPr vert="horz" lIns="91440" tIns="45720" rIns="91440" bIns="45720" rtlCol="0"/>
+          <a:lstStyle>
+            <a:lvl1pPr algn="r">
+              <a:defRPr sz="1200"/>
+            </a:lvl1pPr>
+          </a:lstStyle>
+          <a:p>
+            <a:fld id="{3830F8A7-5098-4228-8C61-E7BBF941FDBA}" type="datetimeFigureOut">
+              <a:rPr lang="zh-TW" altLang="en-US" smtClean="0"/>
+              <a:t>2024/11/1</a:t>
+            </a:fld>
+            <a:endParaRPr lang="zh-TW" altLang="en-US"/>
+          </a:p>
+        </p:txBody>
+      </p:sp>
+      <p:sp>
+        <p:nvSpPr>
+          <p:cNvPr id="4" name="投影片影像版面配置區 3"/>
+          <p:cNvSpPr>
+            <a:spLocks noGrp="1" noRot="1" noChangeAspect="1"/>
+          </p:cNvSpPr>
+          <p:nvPr>
+            <p:ph type="sldImg" idx="2"/>
+          </p:nvPr>
+        </p:nvSpPr>
+        <p:spPr>
+          <a:xfrm>
+            <a:off x="685800" y="1143000"/>
+            <a:ext cx="5486400" cy="3086100"/>
+          </a:xfrm>
+          <a:prstGeom prst="rect">
+            <a:avLst/>
+          </a:prstGeom>
+          <a:noFill/>
+          <a:ln w="12700">
+            <a:solidFill>
+              <a:prstClr val="black"/>
+            </a:solidFill>
+          </a:ln>
+        </p:spPr>
+        <p:txBody>
+          <a:bodyPr vert="horz" lIns="91440" tIns="45720" rIns="91440" bIns="45720" rtlCol="0" anchor="ctr"/>
+          <a:lstStyle/>
+          <a:p>
+            <a:endParaRPr lang="zh-TW" altLang="en-US"/>
+          </a:p>
+        </p:txBody>
+      </p:sp>
+      <p:sp>
+        <p:nvSpPr>
+          <p:cNvPr id="5" name="備忘稿版面配置區 4"/>
+          <p:cNvSpPr>
+            <a:spLocks noGrp="1"/>
+          </p:cNvSpPr>
+          <p:nvPr>
+            <p:ph type="body" sz="quarter" idx="3"/>
+          </p:nvPr>
+        </p:nvSpPr>
+        <p:spPr>
+          <a:xfrm>
+            <a:off x="685800" y="4400550"/>
+            <a:ext cx="5486400" cy="3600450"/>
+          </a:xfrm>
+          <a:prstGeom prst="rect">
+            <a:avLst/>
+          </a:prstGeom>
+        </p:spPr>
+        <p:txBody>
+          <a:bodyPr vert="horz" lIns="91440" tIns="45720" rIns="91440" bIns="45720" rtlCol="0"/>
+          <a:lstStyle/>
+          <a:p>
+            <a:pPr lvl="0"/>
+            <a:r>
+              <a:rPr lang="zh-TW" altLang="en-US"/>
+              <a:t>按一下以編輯母片文字樣式</a:t>
+            </a:r>
+          </a:p>
+          <a:p>
+            <a:pPr lvl="1"/>
+            <a:r>
+              <a:rPr lang="zh-TW" altLang="en-US"/>
+              <a:t>第二層</a:t>
+            </a:r>
+          </a:p>
+          <a:p>
+            <a:pPr lvl="2"/>
+            <a:r>
+              <a:rPr lang="zh-TW" altLang="en-US"/>
+              <a:t>第三層</a:t>
+            </a:r>
+          </a:p>
+          <a:p>
+            <a:pPr lvl="3"/>
+            <a:r>
+              <a:rPr lang="zh-TW" altLang="en-US"/>
+              <a:t>第四層</a:t>
+            </a:r>
+          </a:p>
+          <a:p>
+            <a:pPr lvl="4"/>
+            <a:r>
+              <a:rPr lang="zh-TW" altLang="en-US"/>
+              <a:t>第五層</a:t>
+            </a:r>
+          </a:p>
+        </p:txBody>
+      </p:sp>
+      <p:sp>
+        <p:nvSpPr>
+          <p:cNvPr id="6" name="頁尾版面配置區 5"/>
+          <p:cNvSpPr>
+            <a:spLocks noGrp="1"/>
+          </p:cNvSpPr>
+          <p:nvPr>
+            <p:ph type="ftr" sz="quarter" idx="4"/>
+          </p:nvPr>
+        </p:nvSpPr>
+        <p:spPr>
+          <a:xfrm>
+            <a:off x="0" y="8685213"/>
+            <a:ext cx="2971800" cy="458787"/>
+          </a:xfrm>
+          <a:prstGeom prst="rect">
+            <a:avLst/>
+          </a:prstGeom>
+        </p:spPr>
+        <p:txBody>
+          <a:bodyPr vert="horz" lIns="91440" tIns="45720" rIns="91440" bIns="45720" rtlCol="0" anchor="b"/>
+          <a:lstStyle>
+            <a:lvl1pPr algn="l">
+              <a:defRPr sz="1200"/>
+            </a:lvl1pPr>
+          </a:lstStyle>
+          <a:p>
+            <a:endParaRPr lang="zh-TW" altLang="en-US"/>
+          </a:p>
+        </p:txBody>
+      </p:sp>
+      <p:sp>
+        <p:nvSpPr>
+          <p:cNvPr id="7" name="投影片編號版面配置區 6"/>
+          <p:cNvSpPr>
+            <a:spLocks noGrp="1"/>
+          </p:cNvSpPr>
+          <p:nvPr>
+            <p:ph type="sldNum" sz="quarter" idx="5"/>
+          </p:nvPr>
+        </p:nvSpPr>
+        <p:spPr>
+          <a:xfrm>
+            <a:off x="3884613" y="8685213"/>
+            <a:ext cx="2971800" cy="458787"/>
+          </a:xfrm>
+          <a:prstGeom prst="rect">
+            <a:avLst/>
+          </a:prstGeom>
+        </p:spPr>
+        <p:txBody>
+          <a:bodyPr vert="horz" lIns="91440" tIns="45720" rIns="91440" bIns="45720" rtlCol="0" anchor="b"/>
+          <a:lstStyle>
+            <a:lvl1pPr algn="r">
+              <a:defRPr sz="1200"/>
+            </a:lvl1pPr>
+          </a:lstStyle>
+          <a:p>
+            <a:fld id="{F178D188-CDD2-4591-BFF9-6E1973C8195A}" type="slidenum">
+              <a:rPr lang="zh-TW" altLang="en-US" smtClean="0"/>
+              <a:t>‹#›</a:t>
+            </a:fld>
+            <a:endParaRPr lang="zh-TW" altLang="en-US"/>
+          </a:p>
+        </p:txBody>
+      </p:sp>
+    </p:spTree>
+    <p:extLst>
+      <p:ext uri="{BB962C8B-B14F-4D97-AF65-F5344CB8AC3E}">
+        <p14:creationId xmlns:p14="http://schemas.microsoft.com/office/powerpoint/2010/main" val="3377288539"/>
+      </p:ext>
+    </p:extLst>
+  </p:cSld>
+  <p:clrMap bg1="lt1" tx1="dk1" bg2="lt2" tx2="dk2" accent1="accent1" accent2="accent2" accent3="accent3" accent4="accent4" accent5="accent5" accent6="accent6" hlink="hlink" folHlink="folHlink"/>
+  <p:notesStyle>
+    <a:lvl1pPr marL="0" algn="l" defTabSz="914400" rtl="0" eaLnBrk="1" latinLnBrk="0" hangingPunct="1">
+      <a:defRPr sz="1200" kern="1200">
+        <a:solidFill>
+          <a:schemeClr val="tx1"/>
+        </a:solidFill>
+        <a:latin typeface="+mn-lt"/>
+        <a:ea typeface="+mn-ea"/>
+        <a:cs typeface="+mn-cs"/>
+      </a:defRPr>
+    </a:lvl1pPr>
+    <a:lvl2pPr marL="457200" algn="l" defTabSz="914400" rtl="0" eaLnBrk="1" latinLnBrk="0" hangingPunct="1">
+      <a:defRPr sz="1200" kern="1200">
+        <a:solidFill>
+          <a:schemeClr val="tx1"/>
+        </a:solidFill>
+        <a:latin typeface="+mn-lt"/>
+        <a:ea typeface="+mn-ea"/>
+        <a:cs typeface="+mn-cs"/>
+      </a:defRPr>
+    </a:lvl2pPr>
+    <a:lvl3pPr marL="914400" algn="l" defTabSz="914400" rtl="0" eaLnBrk="1" latinLnBrk="0" hangingPunct="1">
+      <a:defRPr sz="1200" kern="1200">
+        <a:solidFill>
+          <a:schemeClr val="tx1"/>
+        </a:solidFill>
+        <a:latin typeface="+mn-lt"/>
+        <a:ea typeface="+mn-ea"/>
+        <a:cs typeface="+mn-cs"/>
+      </a:defRPr>
+    </a:lvl3pPr>
+    <a:lvl4pPr marL="1371600" algn="l" defTabSz="914400" rtl="0" eaLnBrk="1" latinLnBrk="0" hangingPunct="1">
+      <a:defRPr sz="1200" kern="1200">
+        <a:solidFill>
+          <a:schemeClr val="tx1"/>
+        </a:solidFill>
+        <a:latin typeface="+mn-lt"/>
+        <a:ea typeface="+mn-ea"/>
+        <a:cs typeface="+mn-cs"/>
+      </a:defRPr>
+    </a:lvl4pPr>
+    <a:lvl5pPr marL="1828800" algn="l" defTabSz="914400" rtl="0" eaLnBrk="1" latinLnBrk="0" hangingPunct="1">
+      <a:defRPr sz="1200" kern="1200">
+        <a:solidFill>
+          <a:schemeClr val="tx1"/>
+        </a:solidFill>
+        <a:latin typeface="+mn-lt"/>
+        <a:ea typeface="+mn-ea"/>
+        <a:cs typeface="+mn-cs"/>
+      </a:defRPr>
+    </a:lvl5pPr>
+    <a:lvl6pPr marL="2286000" algn="l" defTabSz="914400" rtl="0" eaLnBrk="1" latinLnBrk="0" hangingPunct="1">
+      <a:defRPr sz="1200" kern="1200">
+        <a:solidFill>
+          <a:schemeClr val="tx1"/>
+        </a:solidFill>
+        <a:latin typeface="+mn-lt"/>
+        <a:ea typeface="+mn-ea"/>
+        <a:cs typeface="+mn-cs"/>
+      </a:defRPr>
+    </a:lvl6pPr>
+    <a:lvl7pPr marL="2743200" algn="l" defTabSz="914400" rtl="0" eaLnBrk="1" latinLnBrk="0" hangingPunct="1">
+      <a:defRPr sz="1200" kern="1200">
+        <a:solidFill>
+          <a:schemeClr val="tx1"/>
+        </a:solidFill>
+        <a:latin typeface="+mn-lt"/>
+        <a:ea typeface="+mn-ea"/>
+        <a:cs typeface="+mn-cs"/>
+      </a:defRPr>
+    </a:lvl7pPr>
+    <a:lvl8pPr marL="3200400" algn="l" defTabSz="914400" rtl="0" eaLnBrk="1" latinLnBrk="0" hangingPunct="1">
+      <a:defRPr sz="1200" kern="1200">
+        <a:solidFill>
+          <a:schemeClr val="tx1"/>
+        </a:solidFill>
+        <a:latin typeface="+mn-lt"/>
+        <a:ea typeface="+mn-ea"/>
+        <a:cs typeface="+mn-cs"/>
+      </a:defRPr>
+    </a:lvl8pPr>
+    <a:lvl9pPr marL="3657600" algn="l" defTabSz="914400" rtl="0" eaLnBrk="1" latinLnBrk="0" hangingPunct="1">
+      <a:defRPr sz="1200" kern="1200">
+        <a:solidFill>
+          <a:schemeClr val="tx1"/>
+        </a:solidFill>
+        <a:latin typeface="+mn-lt"/>
+        <a:ea typeface="+mn-ea"/>
+        <a:cs typeface="+mn-cs"/>
+      </a:defRPr>
+    </a:lvl9pPr>
+  </p:notesStyle>
+</p:notesMaster>
+</file>
+
+<file path=ppt/notesSlides/notesSlide1.xml><?xml version="1.0" encoding="utf-8"?>
+<p:notes xmlns:a="http://schemas.openxmlformats.org/drawingml/2006/main" xmlns:r="http://schemas.openxmlformats.org/officeDocument/2006/relationships" xmlns:p="http://schemas.openxmlformats.org/presentationml/2006/main">
+  <p:cSld>
+    <p:spTree>
+      <p:nvGrpSpPr>
+        <p:cNvPr id="1" name=""/>
+        <p:cNvGrpSpPr/>
+        <p:nvPr/>
+      </p:nvGrpSpPr>
+      <p:grpSpPr>
+        <a:xfrm>
+          <a:off x="0" y="0"/>
+          <a:ext cx="0" cy="0"/>
+          <a:chOff x="0" y="0"/>
+          <a:chExt cx="0" cy="0"/>
+        </a:xfrm>
+      </p:grpSpPr>
+      <p:sp>
+        <p:nvSpPr>
+          <p:cNvPr id="2" name="投影片影像版面配置區 1"/>
+          <p:cNvSpPr>
+            <a:spLocks noGrp="1" noRot="1" noChangeAspect="1"/>
+          </p:cNvSpPr>
+          <p:nvPr>
+            <p:ph type="sldImg"/>
+          </p:nvPr>
+        </p:nvSpPr>
+        <p:spPr/>
+      </p:sp>
+      <p:sp>
+        <p:nvSpPr>
+          <p:cNvPr id="3" name="備忘稿版面配置區 2"/>
+          <p:cNvSpPr>
+            <a:spLocks noGrp="1"/>
+          </p:cNvSpPr>
+          <p:nvPr>
+            <p:ph type="body" idx="1"/>
+          </p:nvPr>
+        </p:nvSpPr>
+        <p:spPr/>
+        <p:txBody>
+          <a:bodyPr/>
+          <a:lstStyle/>
+          <a:p>
+            <a:r>
+              <a:rPr lang="en-US" altLang="zh-TW" dirty="0"/>
+              <a:t>https://pixabay.com/videos/time-zones-time-business-clock-5436/</a:t>
+            </a:r>
+            <a:endParaRPr lang="zh-TW" altLang="en-US" dirty="0"/>
+          </a:p>
+        </p:txBody>
+      </p:sp>
+      <p:sp>
+        <p:nvSpPr>
+          <p:cNvPr id="4" name="投影片編號版面配置區 3"/>
+          <p:cNvSpPr>
+            <a:spLocks noGrp="1"/>
+          </p:cNvSpPr>
+          <p:nvPr>
+            <p:ph type="sldNum" sz="quarter" idx="5"/>
+          </p:nvPr>
+        </p:nvSpPr>
+        <p:spPr/>
+        <p:txBody>
+          <a:bodyPr/>
+          <a:lstStyle/>
+          <a:p>
+            <a:fld id="{F178D188-CDD2-4591-BFF9-6E1973C8195A}" type="slidenum">
+              <a:rPr lang="zh-TW" altLang="en-US" smtClean="0"/>
+              <a:t>1</a:t>
+            </a:fld>
+            <a:endParaRPr lang="zh-TW" altLang="en-US"/>
+          </a:p>
+        </p:txBody>
+      </p:sp>
+    </p:spTree>
+    <p:extLst>
+      <p:ext uri="{BB962C8B-B14F-4D97-AF65-F5344CB8AC3E}">
+        <p14:creationId xmlns:p14="http://schemas.microsoft.com/office/powerpoint/2010/main" val="1276868594"/>
+      </p:ext>
+    </p:extLst>
+  </p:cSld>
+  <p:clrMapOvr>
+    <a:masterClrMapping/>
+  </p:clrMapOvr>
+</p:notes>
+</file>
+
+<file path=ppt/notesSlides/notesSlide10.xml><?xml version="1.0" encoding="utf-8"?>
+<p:notes xmlns:a="http://schemas.openxmlformats.org/drawingml/2006/main" xmlns:r="http://schemas.openxmlformats.org/officeDocument/2006/relationships" xmlns:p="http://schemas.openxmlformats.org/presentationml/2006/main">
+  <p:cSld>
+    <p:spTree>
+      <p:nvGrpSpPr>
+        <p:cNvPr id="1" name=""/>
+        <p:cNvGrpSpPr/>
+        <p:nvPr/>
+      </p:nvGrpSpPr>
+      <p:grpSpPr>
+        <a:xfrm>
+          <a:off x="0" y="0"/>
+          <a:ext cx="0" cy="0"/>
+          <a:chOff x="0" y="0"/>
+          <a:chExt cx="0" cy="0"/>
+        </a:xfrm>
+      </p:grpSpPr>
+      <p:sp>
+        <p:nvSpPr>
+          <p:cNvPr id="2" name="投影片影像版面配置區 1"/>
+          <p:cNvSpPr>
+            <a:spLocks noGrp="1" noRot="1" noChangeAspect="1"/>
+          </p:cNvSpPr>
+          <p:nvPr>
+            <p:ph type="sldImg"/>
+          </p:nvPr>
+        </p:nvSpPr>
+        <p:spPr/>
+      </p:sp>
+      <p:sp>
+        <p:nvSpPr>
+          <p:cNvPr id="3" name="備忘稿版面配置區 2"/>
+          <p:cNvSpPr>
+            <a:spLocks noGrp="1"/>
+          </p:cNvSpPr>
+          <p:nvPr>
+            <p:ph type="body" idx="1"/>
+          </p:nvPr>
+        </p:nvSpPr>
+        <p:spPr/>
+        <p:txBody>
+          <a:bodyPr/>
+          <a:lstStyle/>
+          <a:p>
+            <a:r>
+              <a:rPr lang="en-US" altLang="zh-TW" dirty="0"/>
+              <a:t>https://pixabay.com/videos/chernobyl-ukraine-pripyat-abandoned-138143/</a:t>
+            </a:r>
+            <a:endParaRPr lang="zh-TW" altLang="en-US" dirty="0"/>
+          </a:p>
+        </p:txBody>
+      </p:sp>
+      <p:sp>
+        <p:nvSpPr>
+          <p:cNvPr id="4" name="投影片編號版面配置區 3"/>
+          <p:cNvSpPr>
+            <a:spLocks noGrp="1"/>
+          </p:cNvSpPr>
+          <p:nvPr>
+            <p:ph type="sldNum" sz="quarter" idx="5"/>
+          </p:nvPr>
+        </p:nvSpPr>
+        <p:spPr/>
+        <p:txBody>
+          <a:bodyPr/>
+          <a:lstStyle/>
+          <a:p>
+            <a:fld id="{F178D188-CDD2-4591-BFF9-6E1973C8195A}" type="slidenum">
+              <a:rPr lang="zh-TW" altLang="en-US" smtClean="0"/>
+              <a:t>10</a:t>
+            </a:fld>
+            <a:endParaRPr lang="zh-TW" altLang="en-US"/>
+          </a:p>
+        </p:txBody>
+      </p:sp>
+    </p:spTree>
+    <p:extLst>
+      <p:ext uri="{BB962C8B-B14F-4D97-AF65-F5344CB8AC3E}">
+        <p14:creationId xmlns:p14="http://schemas.microsoft.com/office/powerpoint/2010/main" val="3088871909"/>
+      </p:ext>
+    </p:extLst>
+  </p:cSld>
+  <p:clrMapOvr>
+    <a:masterClrMapping/>
+  </p:clrMapOvr>
+</p:notes>
+</file>
+
+<file path=ppt/notesSlides/notesSlide11.xml><?xml version="1.0" encoding="utf-8"?>
+<p:notes xmlns:a="http://schemas.openxmlformats.org/drawingml/2006/main" xmlns:r="http://schemas.openxmlformats.org/officeDocument/2006/relationships" xmlns:p="http://schemas.openxmlformats.org/presentationml/2006/main">
+  <p:cSld>
+    <p:spTree>
+      <p:nvGrpSpPr>
+        <p:cNvPr id="1" name=""/>
+        <p:cNvGrpSpPr/>
+        <p:nvPr/>
+      </p:nvGrpSpPr>
+      <p:grpSpPr>
+        <a:xfrm>
+          <a:off x="0" y="0"/>
+          <a:ext cx="0" cy="0"/>
+          <a:chOff x="0" y="0"/>
+          <a:chExt cx="0" cy="0"/>
+        </a:xfrm>
+      </p:grpSpPr>
+      <p:sp>
+        <p:nvSpPr>
+          <p:cNvPr id="2" name="投影片影像版面配置區 1"/>
+          <p:cNvSpPr>
+            <a:spLocks noGrp="1" noRot="1" noChangeAspect="1"/>
+          </p:cNvSpPr>
+          <p:nvPr>
+            <p:ph type="sldImg"/>
+          </p:nvPr>
+        </p:nvSpPr>
+        <p:spPr/>
+      </p:sp>
+      <p:sp>
+        <p:nvSpPr>
+          <p:cNvPr id="3" name="備忘稿版面配置區 2"/>
+          <p:cNvSpPr>
+            <a:spLocks noGrp="1"/>
+          </p:cNvSpPr>
+          <p:nvPr>
+            <p:ph type="body" idx="1"/>
+          </p:nvPr>
+        </p:nvSpPr>
+        <p:spPr/>
+        <p:txBody>
+          <a:bodyPr/>
+          <a:lstStyle/>
+          <a:p>
+            <a:r>
+              <a:rPr lang="en-US" altLang="zh-TW" dirty="0"/>
+              <a:t>https://pixabay.com/videos/rain-thunderstorm-lightning-clouds-305/</a:t>
+            </a:r>
+            <a:endParaRPr lang="zh-TW" altLang="en-US" dirty="0"/>
+          </a:p>
+        </p:txBody>
+      </p:sp>
+      <p:sp>
+        <p:nvSpPr>
+          <p:cNvPr id="4" name="投影片編號版面配置區 3"/>
+          <p:cNvSpPr>
+            <a:spLocks noGrp="1"/>
+          </p:cNvSpPr>
+          <p:nvPr>
+            <p:ph type="sldNum" sz="quarter" idx="5"/>
+          </p:nvPr>
+        </p:nvSpPr>
+        <p:spPr/>
+        <p:txBody>
+          <a:bodyPr/>
+          <a:lstStyle/>
+          <a:p>
+            <a:fld id="{F178D188-CDD2-4591-BFF9-6E1973C8195A}" type="slidenum">
+              <a:rPr lang="zh-TW" altLang="en-US" smtClean="0"/>
+              <a:t>11</a:t>
+            </a:fld>
+            <a:endParaRPr lang="zh-TW" altLang="en-US"/>
+          </a:p>
+        </p:txBody>
+      </p:sp>
+    </p:spTree>
+    <p:extLst>
+      <p:ext uri="{BB962C8B-B14F-4D97-AF65-F5344CB8AC3E}">
+        <p14:creationId xmlns:p14="http://schemas.microsoft.com/office/powerpoint/2010/main" val="1537723106"/>
+      </p:ext>
+    </p:extLst>
+  </p:cSld>
+  <p:clrMapOvr>
+    <a:masterClrMapping/>
+  </p:clrMapOvr>
+</p:notes>
+</file>
+
+<file path=ppt/notesSlides/notesSlide12.xml><?xml version="1.0" encoding="utf-8"?>
+<p:notes xmlns:a="http://schemas.openxmlformats.org/drawingml/2006/main" xmlns:r="http://schemas.openxmlformats.org/officeDocument/2006/relationships" xmlns:p="http://schemas.openxmlformats.org/presentationml/2006/main">
+  <p:cSld>
+    <p:spTree>
+      <p:nvGrpSpPr>
+        <p:cNvPr id="1" name=""/>
+        <p:cNvGrpSpPr/>
+        <p:nvPr/>
+      </p:nvGrpSpPr>
+      <p:grpSpPr>
+        <a:xfrm>
+          <a:off x="0" y="0"/>
+          <a:ext cx="0" cy="0"/>
+          <a:chOff x="0" y="0"/>
+          <a:chExt cx="0" cy="0"/>
+        </a:xfrm>
+      </p:grpSpPr>
+      <p:sp>
+        <p:nvSpPr>
+          <p:cNvPr id="2" name="投影片影像版面配置區 1"/>
+          <p:cNvSpPr>
+            <a:spLocks noGrp="1" noRot="1" noChangeAspect="1"/>
+          </p:cNvSpPr>
+          <p:nvPr>
+            <p:ph type="sldImg"/>
+          </p:nvPr>
+        </p:nvSpPr>
+        <p:spPr/>
+      </p:sp>
+      <p:sp>
+        <p:nvSpPr>
+          <p:cNvPr id="3" name="備忘稿版面配置區 2"/>
+          <p:cNvSpPr>
+            <a:spLocks noGrp="1"/>
+          </p:cNvSpPr>
+          <p:nvPr>
+            <p:ph type="body" idx="1"/>
+          </p:nvPr>
+        </p:nvSpPr>
+        <p:spPr/>
+        <p:txBody>
+          <a:bodyPr/>
+          <a:lstStyle/>
+          <a:p>
+            <a:r>
+              <a:rPr lang="en-US" altLang="zh-TW" dirty="0"/>
+              <a:t>https://pixabay.com/videos/nature-landscape-sunset-afternoon-38393/</a:t>
+            </a:r>
+            <a:endParaRPr lang="zh-TW" altLang="en-US" dirty="0"/>
+          </a:p>
+        </p:txBody>
+      </p:sp>
+      <p:sp>
+        <p:nvSpPr>
+          <p:cNvPr id="4" name="投影片編號版面配置區 3"/>
+          <p:cNvSpPr>
+            <a:spLocks noGrp="1"/>
+          </p:cNvSpPr>
+          <p:nvPr>
+            <p:ph type="sldNum" sz="quarter" idx="5"/>
+          </p:nvPr>
+        </p:nvSpPr>
+        <p:spPr/>
+        <p:txBody>
+          <a:bodyPr/>
+          <a:lstStyle/>
+          <a:p>
+            <a:fld id="{F178D188-CDD2-4591-BFF9-6E1973C8195A}" type="slidenum">
+              <a:rPr lang="zh-TW" altLang="en-US" smtClean="0"/>
+              <a:t>12</a:t>
+            </a:fld>
+            <a:endParaRPr lang="zh-TW" altLang="en-US"/>
+          </a:p>
+        </p:txBody>
+      </p:sp>
+    </p:spTree>
+    <p:extLst>
+      <p:ext uri="{BB962C8B-B14F-4D97-AF65-F5344CB8AC3E}">
+        <p14:creationId xmlns:p14="http://schemas.microsoft.com/office/powerpoint/2010/main" val="1267951918"/>
+      </p:ext>
+    </p:extLst>
+  </p:cSld>
+  <p:clrMapOvr>
+    <a:masterClrMapping/>
+  </p:clrMapOvr>
+</p:notes>
+</file>
+
+<file path=ppt/notesSlides/notesSlide13.xml><?xml version="1.0" encoding="utf-8"?>
+<p:notes xmlns:a="http://schemas.openxmlformats.org/drawingml/2006/main" xmlns:r="http://schemas.openxmlformats.org/officeDocument/2006/relationships" xmlns:p="http://schemas.openxmlformats.org/presentationml/2006/main">
+  <p:cSld>
+    <p:spTree>
+      <p:nvGrpSpPr>
+        <p:cNvPr id="1" name=""/>
+        <p:cNvGrpSpPr/>
+        <p:nvPr/>
+      </p:nvGrpSpPr>
+      <p:grpSpPr>
+        <a:xfrm>
+          <a:off x="0" y="0"/>
+          <a:ext cx="0" cy="0"/>
+          <a:chOff x="0" y="0"/>
+          <a:chExt cx="0" cy="0"/>
+        </a:xfrm>
+      </p:grpSpPr>
+      <p:sp>
+        <p:nvSpPr>
+          <p:cNvPr id="2" name="投影片影像版面配置區 1"/>
+          <p:cNvSpPr>
+            <a:spLocks noGrp="1" noRot="1" noChangeAspect="1"/>
+          </p:cNvSpPr>
+          <p:nvPr>
+            <p:ph type="sldImg"/>
+          </p:nvPr>
+        </p:nvSpPr>
+        <p:spPr/>
+      </p:sp>
+      <p:sp>
+        <p:nvSpPr>
+          <p:cNvPr id="3" name="備忘稿版面配置區 2"/>
+          <p:cNvSpPr>
+            <a:spLocks noGrp="1"/>
+          </p:cNvSpPr>
+          <p:nvPr>
+            <p:ph type="body" idx="1"/>
+          </p:nvPr>
+        </p:nvSpPr>
+        <p:spPr/>
+        <p:txBody>
+          <a:bodyPr/>
+          <a:lstStyle/>
+          <a:p>
+            <a:r>
+              <a:rPr lang="en-US" altLang="zh-TW" dirty="0"/>
+              <a:t>https://pixabay.com/videos/bubbles-sky-soap-clouds-happy-85220/</a:t>
+            </a:r>
+            <a:endParaRPr lang="zh-TW" altLang="en-US" dirty="0"/>
+          </a:p>
+        </p:txBody>
+      </p:sp>
+      <p:sp>
+        <p:nvSpPr>
+          <p:cNvPr id="4" name="投影片編號版面配置區 3"/>
+          <p:cNvSpPr>
+            <a:spLocks noGrp="1"/>
+          </p:cNvSpPr>
+          <p:nvPr>
+            <p:ph type="sldNum" sz="quarter" idx="5"/>
+          </p:nvPr>
+        </p:nvSpPr>
+        <p:spPr/>
+        <p:txBody>
+          <a:bodyPr/>
+          <a:lstStyle/>
+          <a:p>
+            <a:fld id="{F178D188-CDD2-4591-BFF9-6E1973C8195A}" type="slidenum">
+              <a:rPr lang="zh-TW" altLang="en-US" smtClean="0"/>
+              <a:t>13</a:t>
+            </a:fld>
+            <a:endParaRPr lang="zh-TW" altLang="en-US"/>
+          </a:p>
+        </p:txBody>
+      </p:sp>
+    </p:spTree>
+    <p:extLst>
+      <p:ext uri="{BB962C8B-B14F-4D97-AF65-F5344CB8AC3E}">
+        <p14:creationId xmlns:p14="http://schemas.microsoft.com/office/powerpoint/2010/main" val="4019354165"/>
+      </p:ext>
+    </p:extLst>
+  </p:cSld>
+  <p:clrMapOvr>
+    <a:masterClrMapping/>
+  </p:clrMapOvr>
+</p:notes>
+</file>
+
+<file path=ppt/notesSlides/notesSlide14.xml><?xml version="1.0" encoding="utf-8"?>
+<p:notes xmlns:a="http://schemas.openxmlformats.org/drawingml/2006/main" xmlns:r="http://schemas.openxmlformats.org/officeDocument/2006/relationships" xmlns:p="http://schemas.openxmlformats.org/presentationml/2006/main">
+  <p:cSld>
+    <p:spTree>
+      <p:nvGrpSpPr>
+        <p:cNvPr id="1" name=""/>
+        <p:cNvGrpSpPr/>
+        <p:nvPr/>
+      </p:nvGrpSpPr>
+      <p:grpSpPr>
+        <a:xfrm>
+          <a:off x="0" y="0"/>
+          <a:ext cx="0" cy="0"/>
+          <a:chOff x="0" y="0"/>
+          <a:chExt cx="0" cy="0"/>
+        </a:xfrm>
+      </p:grpSpPr>
+      <p:sp>
+        <p:nvSpPr>
+          <p:cNvPr id="2" name="投影片影像版面配置區 1"/>
+          <p:cNvSpPr>
+            <a:spLocks noGrp="1" noRot="1" noChangeAspect="1"/>
+          </p:cNvSpPr>
+          <p:nvPr>
+            <p:ph type="sldImg"/>
+          </p:nvPr>
+        </p:nvSpPr>
+        <p:spPr/>
+      </p:sp>
+      <p:sp>
+        <p:nvSpPr>
+          <p:cNvPr id="3" name="備忘稿版面配置區 2"/>
+          <p:cNvSpPr>
+            <a:spLocks noGrp="1"/>
+          </p:cNvSpPr>
+          <p:nvPr>
+            <p:ph type="body" idx="1"/>
+          </p:nvPr>
+        </p:nvSpPr>
+        <p:spPr/>
+        <p:txBody>
+          <a:bodyPr/>
+          <a:lstStyle/>
+          <a:p>
+            <a:r>
+              <a:rPr lang="en-US" altLang="zh-TW" dirty="0"/>
+              <a:t>https://pixabay.com/videos/road-mountain-highway-sea-ocean-205767/</a:t>
+            </a:r>
+            <a:endParaRPr lang="zh-TW" altLang="en-US" dirty="0"/>
+          </a:p>
+        </p:txBody>
+      </p:sp>
+      <p:sp>
+        <p:nvSpPr>
+          <p:cNvPr id="4" name="投影片編號版面配置區 3"/>
+          <p:cNvSpPr>
+            <a:spLocks noGrp="1"/>
+          </p:cNvSpPr>
+          <p:nvPr>
+            <p:ph type="sldNum" sz="quarter" idx="5"/>
+          </p:nvPr>
+        </p:nvSpPr>
+        <p:spPr/>
+        <p:txBody>
+          <a:bodyPr/>
+          <a:lstStyle/>
+          <a:p>
+            <a:fld id="{F178D188-CDD2-4591-BFF9-6E1973C8195A}" type="slidenum">
+              <a:rPr lang="zh-TW" altLang="en-US" smtClean="0"/>
+              <a:t>14</a:t>
+            </a:fld>
+            <a:endParaRPr lang="zh-TW" altLang="en-US"/>
+          </a:p>
+        </p:txBody>
+      </p:sp>
+    </p:spTree>
+    <p:extLst>
+      <p:ext uri="{BB962C8B-B14F-4D97-AF65-F5344CB8AC3E}">
+        <p14:creationId xmlns:p14="http://schemas.microsoft.com/office/powerpoint/2010/main" val="2539640962"/>
+      </p:ext>
+    </p:extLst>
+  </p:cSld>
+  <p:clrMapOvr>
+    <a:masterClrMapping/>
+  </p:clrMapOvr>
+</p:notes>
+</file>
+
+<file path=ppt/notesSlides/notesSlide15.xml><?xml version="1.0" encoding="utf-8"?>
+<p:notes xmlns:a="http://schemas.openxmlformats.org/drawingml/2006/main" xmlns:r="http://schemas.openxmlformats.org/officeDocument/2006/relationships" xmlns:p="http://schemas.openxmlformats.org/presentationml/2006/main">
+  <p:cSld>
+    <p:spTree>
+      <p:nvGrpSpPr>
+        <p:cNvPr id="1" name=""/>
+        <p:cNvGrpSpPr/>
+        <p:nvPr/>
+      </p:nvGrpSpPr>
+      <p:grpSpPr>
+        <a:xfrm>
+          <a:off x="0" y="0"/>
+          <a:ext cx="0" cy="0"/>
+          <a:chOff x="0" y="0"/>
+          <a:chExt cx="0" cy="0"/>
+        </a:xfrm>
+      </p:grpSpPr>
+      <p:sp>
+        <p:nvSpPr>
+          <p:cNvPr id="2" name="投影片影像版面配置區 1"/>
+          <p:cNvSpPr>
+            <a:spLocks noGrp="1" noRot="1" noChangeAspect="1"/>
+          </p:cNvSpPr>
+          <p:nvPr>
+            <p:ph type="sldImg"/>
+          </p:nvPr>
+        </p:nvSpPr>
+        <p:spPr/>
+      </p:sp>
+      <p:sp>
+        <p:nvSpPr>
+          <p:cNvPr id="3" name="備忘稿版面配置區 2"/>
+          <p:cNvSpPr>
+            <a:spLocks noGrp="1"/>
+          </p:cNvSpPr>
+          <p:nvPr>
+            <p:ph type="body" idx="1"/>
+          </p:nvPr>
+        </p:nvSpPr>
+        <p:spPr/>
+        <p:txBody>
+          <a:bodyPr/>
+          <a:lstStyle/>
+          <a:p>
+            <a:r>
+              <a:rPr lang="en-US" altLang="zh-TW" dirty="0"/>
+              <a:t>https://pixabay.com/videos/search/handshake/</a:t>
+            </a:r>
+            <a:endParaRPr lang="zh-TW" altLang="en-US" dirty="0"/>
+          </a:p>
+        </p:txBody>
+      </p:sp>
+      <p:sp>
+        <p:nvSpPr>
+          <p:cNvPr id="4" name="投影片編號版面配置區 3"/>
+          <p:cNvSpPr>
+            <a:spLocks noGrp="1"/>
+          </p:cNvSpPr>
+          <p:nvPr>
+            <p:ph type="sldNum" sz="quarter" idx="5"/>
+          </p:nvPr>
+        </p:nvSpPr>
+        <p:spPr/>
+        <p:txBody>
+          <a:bodyPr/>
+          <a:lstStyle/>
+          <a:p>
+            <a:fld id="{F178D188-CDD2-4591-BFF9-6E1973C8195A}" type="slidenum">
+              <a:rPr lang="zh-TW" altLang="en-US" smtClean="0"/>
+              <a:t>15</a:t>
+            </a:fld>
+            <a:endParaRPr lang="zh-TW" altLang="en-US"/>
+          </a:p>
+        </p:txBody>
+      </p:sp>
+    </p:spTree>
+    <p:extLst>
+      <p:ext uri="{BB962C8B-B14F-4D97-AF65-F5344CB8AC3E}">
+        <p14:creationId xmlns:p14="http://schemas.microsoft.com/office/powerpoint/2010/main" val="1717468202"/>
+      </p:ext>
+    </p:extLst>
+  </p:cSld>
+  <p:clrMapOvr>
+    <a:masterClrMapping/>
+  </p:clrMapOvr>
+</p:notes>
+</file>
+
+<file path=ppt/notesSlides/notesSlide2.xml><?xml version="1.0" encoding="utf-8"?>
+<p:notes xmlns:a="http://schemas.openxmlformats.org/drawingml/2006/main" xmlns:r="http://schemas.openxmlformats.org/officeDocument/2006/relationships" xmlns:p="http://schemas.openxmlformats.org/presentationml/2006/main">
+  <p:cSld>
+    <p:spTree>
+      <p:nvGrpSpPr>
+        <p:cNvPr id="1" name=""/>
+        <p:cNvGrpSpPr/>
+        <p:nvPr/>
+      </p:nvGrpSpPr>
+      <p:grpSpPr>
+        <a:xfrm>
+          <a:off x="0" y="0"/>
+          <a:ext cx="0" cy="0"/>
+          <a:chOff x="0" y="0"/>
+          <a:chExt cx="0" cy="0"/>
+        </a:xfrm>
+      </p:grpSpPr>
+      <p:sp>
+        <p:nvSpPr>
+          <p:cNvPr id="2" name="投影片影像版面配置區 1"/>
+          <p:cNvSpPr>
+            <a:spLocks noGrp="1" noRot="1" noChangeAspect="1"/>
+          </p:cNvSpPr>
+          <p:nvPr>
+            <p:ph type="sldImg"/>
+          </p:nvPr>
+        </p:nvSpPr>
+        <p:spPr/>
+      </p:sp>
+      <p:sp>
+        <p:nvSpPr>
+          <p:cNvPr id="3" name="備忘稿版面配置區 2"/>
+          <p:cNvSpPr>
+            <a:spLocks noGrp="1"/>
+          </p:cNvSpPr>
+          <p:nvPr>
+            <p:ph type="body" idx="1"/>
+          </p:nvPr>
+        </p:nvSpPr>
+        <p:spPr/>
+        <p:txBody>
+          <a:bodyPr/>
+          <a:lstStyle/>
+          <a:p>
+            <a:r>
+              <a:rPr lang="en-US" altLang="zh-TW" dirty="0"/>
+              <a:t>https://pixabay.com/videos/darts-board-dart-board-direct-hit-19512/</a:t>
+            </a:r>
+            <a:endParaRPr lang="zh-TW" altLang="en-US" dirty="0"/>
+          </a:p>
+        </p:txBody>
+      </p:sp>
+      <p:sp>
+        <p:nvSpPr>
+          <p:cNvPr id="4" name="投影片編號版面配置區 3"/>
+          <p:cNvSpPr>
+            <a:spLocks noGrp="1"/>
+          </p:cNvSpPr>
+          <p:nvPr>
+            <p:ph type="sldNum" sz="quarter" idx="5"/>
+          </p:nvPr>
+        </p:nvSpPr>
+        <p:spPr/>
+        <p:txBody>
+          <a:bodyPr/>
+          <a:lstStyle/>
+          <a:p>
+            <a:fld id="{F178D188-CDD2-4591-BFF9-6E1973C8195A}" type="slidenum">
+              <a:rPr lang="zh-TW" altLang="en-US" smtClean="0"/>
+              <a:t>2</a:t>
+            </a:fld>
+            <a:endParaRPr lang="zh-TW" altLang="en-US"/>
+          </a:p>
+        </p:txBody>
+      </p:sp>
+    </p:spTree>
+    <p:extLst>
+      <p:ext uri="{BB962C8B-B14F-4D97-AF65-F5344CB8AC3E}">
+        <p14:creationId xmlns:p14="http://schemas.microsoft.com/office/powerpoint/2010/main" val="26366549"/>
+      </p:ext>
+    </p:extLst>
+  </p:cSld>
+  <p:clrMapOvr>
+    <a:masterClrMapping/>
+  </p:clrMapOvr>
+</p:notes>
+</file>
+
+<file path=ppt/notesSlides/notesSlide3.xml><?xml version="1.0" encoding="utf-8"?>
+<p:notes xmlns:a="http://schemas.openxmlformats.org/drawingml/2006/main" xmlns:r="http://schemas.openxmlformats.org/officeDocument/2006/relationships" xmlns:p="http://schemas.openxmlformats.org/presentationml/2006/main">
+  <p:cSld>
+    <p:spTree>
+      <p:nvGrpSpPr>
+        <p:cNvPr id="1" name=""/>
+        <p:cNvGrpSpPr/>
+        <p:nvPr/>
+      </p:nvGrpSpPr>
+      <p:grpSpPr>
+        <a:xfrm>
+          <a:off x="0" y="0"/>
+          <a:ext cx="0" cy="0"/>
+          <a:chOff x="0" y="0"/>
+          <a:chExt cx="0" cy="0"/>
+        </a:xfrm>
+      </p:grpSpPr>
+      <p:sp>
+        <p:nvSpPr>
+          <p:cNvPr id="2" name="投影片影像版面配置區 1"/>
+          <p:cNvSpPr>
+            <a:spLocks noGrp="1" noRot="1" noChangeAspect="1"/>
+          </p:cNvSpPr>
+          <p:nvPr>
+            <p:ph type="sldImg"/>
+          </p:nvPr>
+        </p:nvSpPr>
+        <p:spPr/>
+      </p:sp>
+      <p:sp>
+        <p:nvSpPr>
+          <p:cNvPr id="3" name="備忘稿版面配置區 2"/>
+          <p:cNvSpPr>
+            <a:spLocks noGrp="1"/>
+          </p:cNvSpPr>
+          <p:nvPr>
+            <p:ph type="body" idx="1"/>
+          </p:nvPr>
+        </p:nvSpPr>
+        <p:spPr/>
+        <p:txBody>
+          <a:bodyPr/>
+          <a:lstStyle/>
+          <a:p>
+            <a:r>
+              <a:rPr lang="en-US" altLang="zh-TW" dirty="0"/>
+              <a:t>https://pixabay.com/videos/people-laptop-team-friend-sitting-202134/</a:t>
+            </a:r>
+            <a:endParaRPr lang="zh-TW" altLang="en-US" dirty="0"/>
+          </a:p>
+        </p:txBody>
+      </p:sp>
+      <p:sp>
+        <p:nvSpPr>
+          <p:cNvPr id="4" name="投影片編號版面配置區 3"/>
+          <p:cNvSpPr>
+            <a:spLocks noGrp="1"/>
+          </p:cNvSpPr>
+          <p:nvPr>
+            <p:ph type="sldNum" sz="quarter" idx="5"/>
+          </p:nvPr>
+        </p:nvSpPr>
+        <p:spPr/>
+        <p:txBody>
+          <a:bodyPr/>
+          <a:lstStyle/>
+          <a:p>
+            <a:fld id="{F178D188-CDD2-4591-BFF9-6E1973C8195A}" type="slidenum">
+              <a:rPr lang="zh-TW" altLang="en-US" smtClean="0"/>
+              <a:t>3</a:t>
+            </a:fld>
+            <a:endParaRPr lang="zh-TW" altLang="en-US"/>
+          </a:p>
+        </p:txBody>
+      </p:sp>
+    </p:spTree>
+    <p:extLst>
+      <p:ext uri="{BB962C8B-B14F-4D97-AF65-F5344CB8AC3E}">
+        <p14:creationId xmlns:p14="http://schemas.microsoft.com/office/powerpoint/2010/main" val="671614366"/>
+      </p:ext>
+    </p:extLst>
+  </p:cSld>
+  <p:clrMapOvr>
+    <a:masterClrMapping/>
+  </p:clrMapOvr>
+</p:notes>
+</file>
+
+<file path=ppt/notesSlides/notesSlide4.xml><?xml version="1.0" encoding="utf-8"?>
+<p:notes xmlns:a="http://schemas.openxmlformats.org/drawingml/2006/main" xmlns:r="http://schemas.openxmlformats.org/officeDocument/2006/relationships" xmlns:p="http://schemas.openxmlformats.org/presentationml/2006/main">
+  <p:cSld>
+    <p:spTree>
+      <p:nvGrpSpPr>
+        <p:cNvPr id="1" name=""/>
+        <p:cNvGrpSpPr/>
+        <p:nvPr/>
+      </p:nvGrpSpPr>
+      <p:grpSpPr>
+        <a:xfrm>
+          <a:off x="0" y="0"/>
+          <a:ext cx="0" cy="0"/>
+          <a:chOff x="0" y="0"/>
+          <a:chExt cx="0" cy="0"/>
+        </a:xfrm>
+      </p:grpSpPr>
+      <p:sp>
+        <p:nvSpPr>
+          <p:cNvPr id="2" name="投影片影像版面配置區 1"/>
+          <p:cNvSpPr>
+            <a:spLocks noGrp="1" noRot="1" noChangeAspect="1"/>
+          </p:cNvSpPr>
+          <p:nvPr>
+            <p:ph type="sldImg"/>
+          </p:nvPr>
+        </p:nvSpPr>
+        <p:spPr/>
+      </p:sp>
+      <p:sp>
+        <p:nvSpPr>
+          <p:cNvPr id="3" name="備忘稿版面配置區 2"/>
+          <p:cNvSpPr>
+            <a:spLocks noGrp="1"/>
+          </p:cNvSpPr>
+          <p:nvPr>
+            <p:ph type="body" idx="1"/>
+          </p:nvPr>
+        </p:nvSpPr>
+        <p:spPr/>
+        <p:txBody>
+          <a:bodyPr/>
+          <a:lstStyle/>
+          <a:p>
+            <a:r>
+              <a:rPr lang="en-US" altLang="zh-TW" dirty="0"/>
+              <a:t>https://pixabay.com/videos/drops-water-window-relaxing-rain-45318/</a:t>
+            </a:r>
+            <a:endParaRPr lang="zh-TW" altLang="en-US" dirty="0"/>
+          </a:p>
+        </p:txBody>
+      </p:sp>
+      <p:sp>
+        <p:nvSpPr>
+          <p:cNvPr id="4" name="投影片編號版面配置區 3"/>
+          <p:cNvSpPr>
+            <a:spLocks noGrp="1"/>
+          </p:cNvSpPr>
+          <p:nvPr>
+            <p:ph type="sldNum" sz="quarter" idx="5"/>
+          </p:nvPr>
+        </p:nvSpPr>
+        <p:spPr/>
+        <p:txBody>
+          <a:bodyPr/>
+          <a:lstStyle/>
+          <a:p>
+            <a:fld id="{F178D188-CDD2-4591-BFF9-6E1973C8195A}" type="slidenum">
+              <a:rPr lang="zh-TW" altLang="en-US" smtClean="0"/>
+              <a:t>4</a:t>
+            </a:fld>
+            <a:endParaRPr lang="zh-TW" altLang="en-US"/>
+          </a:p>
+        </p:txBody>
+      </p:sp>
+    </p:spTree>
+    <p:extLst>
+      <p:ext uri="{BB962C8B-B14F-4D97-AF65-F5344CB8AC3E}">
+        <p14:creationId xmlns:p14="http://schemas.microsoft.com/office/powerpoint/2010/main" val="440807727"/>
+      </p:ext>
+    </p:extLst>
+  </p:cSld>
+  <p:clrMapOvr>
+    <a:masterClrMapping/>
+  </p:clrMapOvr>
+</p:notes>
+</file>
+
+<file path=ppt/notesSlides/notesSlide5.xml><?xml version="1.0" encoding="utf-8"?>
+<p:notes xmlns:a="http://schemas.openxmlformats.org/drawingml/2006/main" xmlns:r="http://schemas.openxmlformats.org/officeDocument/2006/relationships" xmlns:p="http://schemas.openxmlformats.org/presentationml/2006/main">
+  <p:cSld>
+    <p:spTree>
+      <p:nvGrpSpPr>
+        <p:cNvPr id="1" name=""/>
+        <p:cNvGrpSpPr/>
+        <p:nvPr/>
+      </p:nvGrpSpPr>
+      <p:grpSpPr>
+        <a:xfrm>
+          <a:off x="0" y="0"/>
+          <a:ext cx="0" cy="0"/>
+          <a:chOff x="0" y="0"/>
+          <a:chExt cx="0" cy="0"/>
+        </a:xfrm>
+      </p:grpSpPr>
+      <p:sp>
+        <p:nvSpPr>
+          <p:cNvPr id="2" name="投影片影像版面配置區 1"/>
+          <p:cNvSpPr>
+            <a:spLocks noGrp="1" noRot="1" noChangeAspect="1"/>
+          </p:cNvSpPr>
+          <p:nvPr>
+            <p:ph type="sldImg"/>
+          </p:nvPr>
+        </p:nvSpPr>
+        <p:spPr/>
+      </p:sp>
+      <p:sp>
+        <p:nvSpPr>
+          <p:cNvPr id="3" name="備忘稿版面配置區 2"/>
+          <p:cNvSpPr>
+            <a:spLocks noGrp="1"/>
+          </p:cNvSpPr>
+          <p:nvPr>
+            <p:ph type="body" idx="1"/>
+          </p:nvPr>
+        </p:nvSpPr>
+        <p:spPr/>
+        <p:txBody>
+          <a:bodyPr/>
+          <a:lstStyle/>
+          <a:p>
+            <a:pPr marL="0" marR="0" lvl="0" indent="0" algn="l" defTabSz="914400" rtl="0" eaLnBrk="1" fontAlgn="auto" latinLnBrk="0" hangingPunct="1">
+              <a:lnSpc>
+                <a:spcPct val="100000"/>
+              </a:lnSpc>
+              <a:spcBef>
+                <a:spcPts val="0"/>
+              </a:spcBef>
+              <a:spcAft>
+                <a:spcPts val="0"/>
+              </a:spcAft>
+              <a:buClrTx/>
+              <a:buSzTx/>
+              <a:buFontTx/>
+              <a:buNone/>
+              <a:tabLst/>
+              <a:defRPr/>
+            </a:pPr>
+            <a:r>
+              <a:rPr lang="en-US" altLang="zh-TW" dirty="0"/>
+              <a:t>https://pixabay.com/videos/dry-head-skeleton-fear-lights-20310/</a:t>
+            </a:r>
+            <a:endParaRPr lang="zh-TW" altLang="en-US" dirty="0"/>
+          </a:p>
+        </p:txBody>
+      </p:sp>
+      <p:sp>
+        <p:nvSpPr>
+          <p:cNvPr id="4" name="投影片編號版面配置區 3"/>
+          <p:cNvSpPr>
+            <a:spLocks noGrp="1"/>
+          </p:cNvSpPr>
+          <p:nvPr>
+            <p:ph type="sldNum" sz="quarter" idx="5"/>
+          </p:nvPr>
+        </p:nvSpPr>
+        <p:spPr/>
+        <p:txBody>
+          <a:bodyPr/>
+          <a:lstStyle/>
+          <a:p>
+            <a:fld id="{F178D188-CDD2-4591-BFF9-6E1973C8195A}" type="slidenum">
+              <a:rPr lang="zh-TW" altLang="en-US" smtClean="0"/>
+              <a:t>5</a:t>
+            </a:fld>
+            <a:endParaRPr lang="zh-TW" altLang="en-US"/>
+          </a:p>
+        </p:txBody>
+      </p:sp>
+    </p:spTree>
+    <p:extLst>
+      <p:ext uri="{BB962C8B-B14F-4D97-AF65-F5344CB8AC3E}">
+        <p14:creationId xmlns:p14="http://schemas.microsoft.com/office/powerpoint/2010/main" val="4098212702"/>
+      </p:ext>
+    </p:extLst>
+  </p:cSld>
+  <p:clrMapOvr>
+    <a:masterClrMapping/>
+  </p:clrMapOvr>
+</p:notes>
+</file>
+
+<file path=ppt/notesSlides/notesSlide6.xml><?xml version="1.0" encoding="utf-8"?>
+<p:notes xmlns:a="http://schemas.openxmlformats.org/drawingml/2006/main" xmlns:r="http://schemas.openxmlformats.org/officeDocument/2006/relationships" xmlns:p="http://schemas.openxmlformats.org/presentationml/2006/main">
+  <p:cSld>
+    <p:spTree>
+      <p:nvGrpSpPr>
+        <p:cNvPr id="1" name=""/>
+        <p:cNvGrpSpPr/>
+        <p:nvPr/>
+      </p:nvGrpSpPr>
+      <p:grpSpPr>
+        <a:xfrm>
+          <a:off x="0" y="0"/>
+          <a:ext cx="0" cy="0"/>
+          <a:chOff x="0" y="0"/>
+          <a:chExt cx="0" cy="0"/>
+        </a:xfrm>
+      </p:grpSpPr>
+      <p:sp>
+        <p:nvSpPr>
+          <p:cNvPr id="2" name="投影片影像版面配置區 1"/>
+          <p:cNvSpPr>
+            <a:spLocks noGrp="1" noRot="1" noChangeAspect="1"/>
+          </p:cNvSpPr>
+          <p:nvPr>
+            <p:ph type="sldImg"/>
+          </p:nvPr>
+        </p:nvSpPr>
+        <p:spPr/>
+      </p:sp>
+      <p:sp>
+        <p:nvSpPr>
+          <p:cNvPr id="3" name="備忘稿版面配置區 2"/>
+          <p:cNvSpPr>
+            <a:spLocks noGrp="1"/>
+          </p:cNvSpPr>
+          <p:nvPr>
+            <p:ph type="body" idx="1"/>
+          </p:nvPr>
+        </p:nvSpPr>
+        <p:spPr/>
+        <p:txBody>
+          <a:bodyPr/>
+          <a:lstStyle/>
+          <a:p>
+            <a:r>
+              <a:rPr lang="en-US" altLang="zh-TW" dirty="0"/>
+              <a:t>https://pixabay.com/videos/bridge-road-cars-traffic-sunset-22544/</a:t>
+            </a:r>
+            <a:endParaRPr lang="zh-TW" altLang="en-US" dirty="0"/>
+          </a:p>
+        </p:txBody>
+      </p:sp>
+      <p:sp>
+        <p:nvSpPr>
+          <p:cNvPr id="4" name="投影片編號版面配置區 3"/>
+          <p:cNvSpPr>
+            <a:spLocks noGrp="1"/>
+          </p:cNvSpPr>
+          <p:nvPr>
+            <p:ph type="sldNum" sz="quarter" idx="5"/>
+          </p:nvPr>
+        </p:nvSpPr>
+        <p:spPr/>
+        <p:txBody>
+          <a:bodyPr/>
+          <a:lstStyle/>
+          <a:p>
+            <a:fld id="{F178D188-CDD2-4591-BFF9-6E1973C8195A}" type="slidenum">
+              <a:rPr lang="zh-TW" altLang="en-US" smtClean="0"/>
+              <a:t>6</a:t>
+            </a:fld>
+            <a:endParaRPr lang="zh-TW" altLang="en-US"/>
+          </a:p>
+        </p:txBody>
+      </p:sp>
+    </p:spTree>
+    <p:extLst>
+      <p:ext uri="{BB962C8B-B14F-4D97-AF65-F5344CB8AC3E}">
+        <p14:creationId xmlns:p14="http://schemas.microsoft.com/office/powerpoint/2010/main" val="3322888086"/>
+      </p:ext>
+    </p:extLst>
+  </p:cSld>
+  <p:clrMapOvr>
+    <a:masterClrMapping/>
+  </p:clrMapOvr>
+</p:notes>
+</file>
+
+<file path=ppt/notesSlides/notesSlide7.xml><?xml version="1.0" encoding="utf-8"?>
+<p:notes xmlns:a="http://schemas.openxmlformats.org/drawingml/2006/main" xmlns:r="http://schemas.openxmlformats.org/officeDocument/2006/relationships" xmlns:p="http://schemas.openxmlformats.org/presentationml/2006/main">
+  <p:cSld>
+    <p:spTree>
+      <p:nvGrpSpPr>
+        <p:cNvPr id="1" name=""/>
+        <p:cNvGrpSpPr/>
+        <p:nvPr/>
+      </p:nvGrpSpPr>
+      <p:grpSpPr>
+        <a:xfrm>
+          <a:off x="0" y="0"/>
+          <a:ext cx="0" cy="0"/>
+          <a:chOff x="0" y="0"/>
+          <a:chExt cx="0" cy="0"/>
+        </a:xfrm>
+      </p:grpSpPr>
+      <p:sp>
+        <p:nvSpPr>
+          <p:cNvPr id="2" name="投影片影像版面配置區 1"/>
+          <p:cNvSpPr>
+            <a:spLocks noGrp="1" noRot="1" noChangeAspect="1"/>
+          </p:cNvSpPr>
+          <p:nvPr>
+            <p:ph type="sldImg"/>
+          </p:nvPr>
+        </p:nvSpPr>
+        <p:spPr/>
+      </p:sp>
+      <p:sp>
+        <p:nvSpPr>
+          <p:cNvPr id="3" name="備忘稿版面配置區 2"/>
+          <p:cNvSpPr>
+            <a:spLocks noGrp="1"/>
+          </p:cNvSpPr>
+          <p:nvPr>
+            <p:ph type="body" idx="1"/>
+          </p:nvPr>
+        </p:nvSpPr>
+        <p:spPr/>
+        <p:txBody>
+          <a:bodyPr/>
+          <a:lstStyle/>
+          <a:p>
+            <a:r>
+              <a:rPr lang="en-US" altLang="zh-TW" dirty="0"/>
+              <a:t>https://pixabay.com/videos/conversation-talk-dialogue-coffee-180/</a:t>
+            </a:r>
+            <a:endParaRPr lang="zh-TW" altLang="en-US" dirty="0"/>
+          </a:p>
+        </p:txBody>
+      </p:sp>
+      <p:sp>
+        <p:nvSpPr>
+          <p:cNvPr id="4" name="投影片編號版面配置區 3"/>
+          <p:cNvSpPr>
+            <a:spLocks noGrp="1"/>
+          </p:cNvSpPr>
+          <p:nvPr>
+            <p:ph type="sldNum" sz="quarter" idx="5"/>
+          </p:nvPr>
+        </p:nvSpPr>
+        <p:spPr/>
+        <p:txBody>
+          <a:bodyPr/>
+          <a:lstStyle/>
+          <a:p>
+            <a:fld id="{F178D188-CDD2-4591-BFF9-6E1973C8195A}" type="slidenum">
+              <a:rPr lang="zh-TW" altLang="en-US" smtClean="0"/>
+              <a:t>7</a:t>
+            </a:fld>
+            <a:endParaRPr lang="zh-TW" altLang="en-US"/>
+          </a:p>
+        </p:txBody>
+      </p:sp>
+    </p:spTree>
+    <p:extLst>
+      <p:ext uri="{BB962C8B-B14F-4D97-AF65-F5344CB8AC3E}">
+        <p14:creationId xmlns:p14="http://schemas.microsoft.com/office/powerpoint/2010/main" val="2785794455"/>
+      </p:ext>
+    </p:extLst>
+  </p:cSld>
+  <p:clrMapOvr>
+    <a:masterClrMapping/>
+  </p:clrMapOvr>
+</p:notes>
+</file>
+
+<file path=ppt/notesSlides/notesSlide8.xml><?xml version="1.0" encoding="utf-8"?>
+<p:notes xmlns:a="http://schemas.openxmlformats.org/drawingml/2006/main" xmlns:r="http://schemas.openxmlformats.org/officeDocument/2006/relationships" xmlns:p="http://schemas.openxmlformats.org/presentationml/2006/main">
+  <p:cSld>
+    <p:spTree>
+      <p:nvGrpSpPr>
+        <p:cNvPr id="1" name=""/>
+        <p:cNvGrpSpPr/>
+        <p:nvPr/>
+      </p:nvGrpSpPr>
+      <p:grpSpPr>
+        <a:xfrm>
+          <a:off x="0" y="0"/>
+          <a:ext cx="0" cy="0"/>
+          <a:chOff x="0" y="0"/>
+          <a:chExt cx="0" cy="0"/>
+        </a:xfrm>
+      </p:grpSpPr>
+      <p:sp>
+        <p:nvSpPr>
+          <p:cNvPr id="2" name="投影片影像版面配置區 1"/>
+          <p:cNvSpPr>
+            <a:spLocks noGrp="1" noRot="1" noChangeAspect="1"/>
+          </p:cNvSpPr>
+          <p:nvPr>
+            <p:ph type="sldImg"/>
+          </p:nvPr>
+        </p:nvSpPr>
+        <p:spPr/>
+      </p:sp>
+      <p:sp>
+        <p:nvSpPr>
+          <p:cNvPr id="3" name="備忘稿版面配置區 2"/>
+          <p:cNvSpPr>
+            <a:spLocks noGrp="1"/>
+          </p:cNvSpPr>
+          <p:nvPr>
+            <p:ph type="body" idx="1"/>
+          </p:nvPr>
+        </p:nvSpPr>
+        <p:spPr/>
+        <p:txBody>
+          <a:bodyPr/>
+          <a:lstStyle/>
+          <a:p>
+            <a:r>
+              <a:rPr lang="en-US" altLang="zh-TW" dirty="0"/>
+              <a:t>https://pixabay.com/videos/fishing-fish-fisherman-water-44534/</a:t>
+            </a:r>
+            <a:endParaRPr lang="zh-TW" altLang="en-US" dirty="0"/>
+          </a:p>
+        </p:txBody>
+      </p:sp>
+      <p:sp>
+        <p:nvSpPr>
+          <p:cNvPr id="4" name="投影片編號版面配置區 3"/>
+          <p:cNvSpPr>
+            <a:spLocks noGrp="1"/>
+          </p:cNvSpPr>
+          <p:nvPr>
+            <p:ph type="sldNum" sz="quarter" idx="5"/>
+          </p:nvPr>
+        </p:nvSpPr>
+        <p:spPr/>
+        <p:txBody>
+          <a:bodyPr/>
+          <a:lstStyle/>
+          <a:p>
+            <a:fld id="{F178D188-CDD2-4591-BFF9-6E1973C8195A}" type="slidenum">
+              <a:rPr lang="zh-TW" altLang="en-US" smtClean="0"/>
+              <a:t>8</a:t>
+            </a:fld>
+            <a:endParaRPr lang="zh-TW" altLang="en-US"/>
+          </a:p>
+        </p:txBody>
+      </p:sp>
+    </p:spTree>
+    <p:extLst>
+      <p:ext uri="{BB962C8B-B14F-4D97-AF65-F5344CB8AC3E}">
+        <p14:creationId xmlns:p14="http://schemas.microsoft.com/office/powerpoint/2010/main" val="249222131"/>
+      </p:ext>
+    </p:extLst>
+  </p:cSld>
+  <p:clrMapOvr>
+    <a:masterClrMapping/>
+  </p:clrMapOvr>
+</p:notes>
+</file>
+
+<file path=ppt/notesSlides/notesSlide9.xml><?xml version="1.0" encoding="utf-8"?>
+<p:notes xmlns:a="http://schemas.openxmlformats.org/drawingml/2006/main" xmlns:r="http://schemas.openxmlformats.org/officeDocument/2006/relationships" xmlns:p="http://schemas.openxmlformats.org/presentationml/2006/main">
+  <p:cSld>
+    <p:spTree>
+      <p:nvGrpSpPr>
+        <p:cNvPr id="1" name=""/>
+        <p:cNvGrpSpPr/>
+        <p:nvPr/>
+      </p:nvGrpSpPr>
+      <p:grpSpPr>
+        <a:xfrm>
+          <a:off x="0" y="0"/>
+          <a:ext cx="0" cy="0"/>
+          <a:chOff x="0" y="0"/>
+          <a:chExt cx="0" cy="0"/>
+        </a:xfrm>
+      </p:grpSpPr>
+      <p:sp>
+        <p:nvSpPr>
+          <p:cNvPr id="2" name="投影片影像版面配置區 1"/>
+          <p:cNvSpPr>
+            <a:spLocks noGrp="1" noRot="1" noChangeAspect="1"/>
+          </p:cNvSpPr>
+          <p:nvPr>
+            <p:ph type="sldImg"/>
+          </p:nvPr>
+        </p:nvSpPr>
+        <p:spPr/>
+      </p:sp>
+      <p:sp>
+        <p:nvSpPr>
+          <p:cNvPr id="3" name="備忘稿版面配置區 2"/>
+          <p:cNvSpPr>
+            <a:spLocks noGrp="1"/>
+          </p:cNvSpPr>
+          <p:nvPr>
+            <p:ph type="body" idx="1"/>
+          </p:nvPr>
+        </p:nvSpPr>
+        <p:spPr/>
+        <p:txBody>
+          <a:bodyPr/>
+          <a:lstStyle/>
+          <a:p>
+            <a:r>
+              <a:rPr lang="en-US" altLang="zh-TW" dirty="0"/>
+              <a:t>https://pixabay.com/videos/skull-eyes-bones-fear-horror-3d-132805/</a:t>
+            </a:r>
+            <a:endParaRPr lang="zh-TW" altLang="en-US" dirty="0"/>
+          </a:p>
+        </p:txBody>
+      </p:sp>
+      <p:sp>
+        <p:nvSpPr>
+          <p:cNvPr id="4" name="投影片編號版面配置區 3"/>
+          <p:cNvSpPr>
+            <a:spLocks noGrp="1"/>
+          </p:cNvSpPr>
+          <p:nvPr>
+            <p:ph type="sldNum" sz="quarter" idx="5"/>
+          </p:nvPr>
+        </p:nvSpPr>
+        <p:spPr/>
+        <p:txBody>
+          <a:bodyPr/>
+          <a:lstStyle/>
+          <a:p>
+            <a:fld id="{F178D188-CDD2-4591-BFF9-6E1973C8195A}" type="slidenum">
+              <a:rPr lang="zh-TW" altLang="en-US" smtClean="0"/>
+              <a:t>9</a:t>
+            </a:fld>
+            <a:endParaRPr lang="zh-TW" altLang="en-US"/>
+          </a:p>
+        </p:txBody>
+      </p:sp>
+    </p:spTree>
+    <p:extLst>
+      <p:ext uri="{BB962C8B-B14F-4D97-AF65-F5344CB8AC3E}">
+        <p14:creationId xmlns:p14="http://schemas.microsoft.com/office/powerpoint/2010/main" val="3862834802"/>
+      </p:ext>
+    </p:extLst>
+  </p:cSld>
+  <p:clrMapOvr>
+    <a:masterClrMapping/>
+  </p:clrMapOvr>
+</p:notes>
 </file>
 
 <file path=ppt/slideLayouts/slideLayout1.xml><?xml version="1.0" encoding="utf-8"?>
@@ -129,7 +1837,7 @@
           <p:cNvPr id="2" name="標題 1">
             <a:extLst>
               <a:ext uri="{FF2B5EF4-FFF2-40B4-BE49-F238E27FC236}">
-                <a16:creationId xmlns:a16="http://schemas.microsoft.com/office/drawing/2014/main" id="{EB5CC918-B447-434E-B98E-5847BB49C259}"/>
+                <a16:creationId xmlns:a16="http://schemas.microsoft.com/office/drawing/2014/main" id="{393C9485-8C1E-254F-CE8A-31C86EE45747}"/>
               </a:ext>
             </a:extLst>
           </p:cNvPr>
@@ -166,7 +1874,7 @@
           <p:cNvPr id="3" name="副標題 2">
             <a:extLst>
               <a:ext uri="{FF2B5EF4-FFF2-40B4-BE49-F238E27FC236}">
-                <a16:creationId xmlns:a16="http://schemas.microsoft.com/office/drawing/2014/main" id="{817FCC70-CC4E-4CB6-B2CF-9FDA5AC4D346}"/>
+                <a16:creationId xmlns:a16="http://schemas.microsoft.com/office/drawing/2014/main" id="{30B2DD4E-5516-28DE-8B73-C6C005E12C3C}"/>
               </a:ext>
             </a:extLst>
           </p:cNvPr>
@@ -236,7 +1944,7 @@
           <p:cNvPr id="4" name="日期版面配置區 3">
             <a:extLst>
               <a:ext uri="{FF2B5EF4-FFF2-40B4-BE49-F238E27FC236}">
-                <a16:creationId xmlns:a16="http://schemas.microsoft.com/office/drawing/2014/main" id="{BD08F018-0004-4322-AD0F-E6E740964233}"/>
+                <a16:creationId xmlns:a16="http://schemas.microsoft.com/office/drawing/2014/main" id="{95770997-D99E-7A8B-B4DC-4DCDBC323B5E}"/>
               </a:ext>
             </a:extLst>
           </p:cNvPr>
@@ -252,9 +1960,9 @@
           <a:bodyPr/>
           <a:lstStyle/>
           <a:p>
-            <a:fld id="{C3C90D7E-32D6-4894-AE08-7BBB3E610FC9}" type="datetimeFigureOut">
+            <a:fld id="{A43A93F1-9FA3-4D8E-AD5F-200F22544D50}" type="datetimeFigureOut">
               <a:rPr lang="zh-TW" altLang="en-US" smtClean="0"/>
-              <a:t>2024/9/16</a:t>
+              <a:t>2024/11/1</a:t>
             </a:fld>
             <a:endParaRPr lang="zh-TW" altLang="en-US"/>
           </a:p>
@@ -265,7 +1973,7 @@
           <p:cNvPr id="5" name="頁尾版面配置區 4">
             <a:extLst>
               <a:ext uri="{FF2B5EF4-FFF2-40B4-BE49-F238E27FC236}">
-                <a16:creationId xmlns:a16="http://schemas.microsoft.com/office/drawing/2014/main" id="{30427B34-CB13-41C7-B2F2-CED9BDC5B595}"/>
+                <a16:creationId xmlns:a16="http://schemas.microsoft.com/office/drawing/2014/main" id="{79BBA9BF-A4A7-7728-5777-BABEE7AFCC78}"/>
               </a:ext>
             </a:extLst>
           </p:cNvPr>
@@ -290,7 +1998,7 @@
           <p:cNvPr id="6" name="投影片編號版面配置區 5">
             <a:extLst>
               <a:ext uri="{FF2B5EF4-FFF2-40B4-BE49-F238E27FC236}">
-                <a16:creationId xmlns:a16="http://schemas.microsoft.com/office/drawing/2014/main" id="{76FA962E-5B03-439A-928C-87366876542D}"/>
+                <a16:creationId xmlns:a16="http://schemas.microsoft.com/office/drawing/2014/main" id="{BB9A8C9D-06F7-3DBD-8F02-67A11EB9E6A8}"/>
               </a:ext>
             </a:extLst>
           </p:cNvPr>
@@ -306,7 +2014,7 @@
           <a:bodyPr/>
           <a:lstStyle/>
           <a:p>
-            <a:fld id="{E31EC408-072F-4346-BD0A-D6AA5788A305}" type="slidenum">
+            <a:fld id="{68A2F2D4-A67E-4958-A3AD-E7D702C4281A}" type="slidenum">
               <a:rPr lang="zh-TW" altLang="en-US" smtClean="0"/>
               <a:t>‹#›</a:t>
             </a:fld>
@@ -317,7 +2025,7 @@
     </p:spTree>
     <p:extLst>
       <p:ext uri="{BB962C8B-B14F-4D97-AF65-F5344CB8AC3E}">
-        <p14:creationId xmlns:p14="http://schemas.microsoft.com/office/powerpoint/2010/main" val="2963035110"/>
+        <p14:creationId xmlns:p14="http://schemas.microsoft.com/office/powerpoint/2010/main" val="1899532374"/>
       </p:ext>
     </p:extLst>
   </p:cSld>
@@ -349,7 +2057,7 @@
           <p:cNvPr id="2" name="標題 1">
             <a:extLst>
               <a:ext uri="{FF2B5EF4-FFF2-40B4-BE49-F238E27FC236}">
-                <a16:creationId xmlns:a16="http://schemas.microsoft.com/office/drawing/2014/main" id="{A02F0018-7F8E-4206-A929-07CDC6B5F34A}"/>
+                <a16:creationId xmlns:a16="http://schemas.microsoft.com/office/drawing/2014/main" id="{E1334813-6B04-3E87-5078-C3EBA61B212D}"/>
               </a:ext>
             </a:extLst>
           </p:cNvPr>
@@ -377,7 +2085,7 @@
           <p:cNvPr id="3" name="直排文字版面配置區 2">
             <a:extLst>
               <a:ext uri="{FF2B5EF4-FFF2-40B4-BE49-F238E27FC236}">
-                <a16:creationId xmlns:a16="http://schemas.microsoft.com/office/drawing/2014/main" id="{9B801E88-34C3-4545-A358-81F5614FED64}"/>
+                <a16:creationId xmlns:a16="http://schemas.microsoft.com/office/drawing/2014/main" id="{103A699B-90BB-2730-4056-7606B2C705BD}"/>
               </a:ext>
             </a:extLst>
           </p:cNvPr>
@@ -434,7 +2142,7 @@
           <p:cNvPr id="4" name="日期版面配置區 3">
             <a:extLst>
               <a:ext uri="{FF2B5EF4-FFF2-40B4-BE49-F238E27FC236}">
-                <a16:creationId xmlns:a16="http://schemas.microsoft.com/office/drawing/2014/main" id="{60AFD716-8B99-4230-B55F-C8B88ECBB171}"/>
+                <a16:creationId xmlns:a16="http://schemas.microsoft.com/office/drawing/2014/main" id="{F224936D-30AC-0A09-8628-931A7109A3EE}"/>
               </a:ext>
             </a:extLst>
           </p:cNvPr>
@@ -450,9 +2158,9 @@
           <a:bodyPr/>
           <a:lstStyle/>
           <a:p>
-            <a:fld id="{C3C90D7E-32D6-4894-AE08-7BBB3E610FC9}" type="datetimeFigureOut">
+            <a:fld id="{A43A93F1-9FA3-4D8E-AD5F-200F22544D50}" type="datetimeFigureOut">
               <a:rPr lang="zh-TW" altLang="en-US" smtClean="0"/>
-              <a:t>2024/9/16</a:t>
+              <a:t>2024/11/1</a:t>
             </a:fld>
             <a:endParaRPr lang="zh-TW" altLang="en-US"/>
           </a:p>
@@ -463,7 +2171,7 @@
           <p:cNvPr id="5" name="頁尾版面配置區 4">
             <a:extLst>
               <a:ext uri="{FF2B5EF4-FFF2-40B4-BE49-F238E27FC236}">
-                <a16:creationId xmlns:a16="http://schemas.microsoft.com/office/drawing/2014/main" id="{EA374743-76D9-4BF8-A60C-2F50B2636A8A}"/>
+                <a16:creationId xmlns:a16="http://schemas.microsoft.com/office/drawing/2014/main" id="{ABEA094D-C4D0-A95F-1624-B50BB67917A9}"/>
               </a:ext>
             </a:extLst>
           </p:cNvPr>
@@ -488,7 +2196,7 @@
           <p:cNvPr id="6" name="投影片編號版面配置區 5">
             <a:extLst>
               <a:ext uri="{FF2B5EF4-FFF2-40B4-BE49-F238E27FC236}">
-                <a16:creationId xmlns:a16="http://schemas.microsoft.com/office/drawing/2014/main" id="{00454594-6C11-4013-A666-A151E960EC9B}"/>
+                <a16:creationId xmlns:a16="http://schemas.microsoft.com/office/drawing/2014/main" id="{41F0246F-C7D8-AF93-07BF-7259C6CB18CF}"/>
               </a:ext>
             </a:extLst>
           </p:cNvPr>
@@ -504,7 +2212,7 @@
           <a:bodyPr/>
           <a:lstStyle/>
           <a:p>
-            <a:fld id="{E31EC408-072F-4346-BD0A-D6AA5788A305}" type="slidenum">
+            <a:fld id="{68A2F2D4-A67E-4958-A3AD-E7D702C4281A}" type="slidenum">
               <a:rPr lang="zh-TW" altLang="en-US" smtClean="0"/>
               <a:t>‹#›</a:t>
             </a:fld>
@@ -515,7 +2223,7 @@
     </p:spTree>
     <p:extLst>
       <p:ext uri="{BB962C8B-B14F-4D97-AF65-F5344CB8AC3E}">
-        <p14:creationId xmlns:p14="http://schemas.microsoft.com/office/powerpoint/2010/main" val="188953001"/>
+        <p14:creationId xmlns:p14="http://schemas.microsoft.com/office/powerpoint/2010/main" val="1107313275"/>
       </p:ext>
     </p:extLst>
   </p:cSld>
@@ -547,7 +2255,7 @@
           <p:cNvPr id="2" name="直排標題 1">
             <a:extLst>
               <a:ext uri="{FF2B5EF4-FFF2-40B4-BE49-F238E27FC236}">
-                <a16:creationId xmlns:a16="http://schemas.microsoft.com/office/drawing/2014/main" id="{70F760AC-E708-4605-85E2-7D0F424B3E29}"/>
+                <a16:creationId xmlns:a16="http://schemas.microsoft.com/office/drawing/2014/main" id="{908EAA41-5380-4D96-422B-36B5ED1E1414}"/>
               </a:ext>
             </a:extLst>
           </p:cNvPr>
@@ -580,7 +2288,7 @@
           <p:cNvPr id="3" name="直排文字版面配置區 2">
             <a:extLst>
               <a:ext uri="{FF2B5EF4-FFF2-40B4-BE49-F238E27FC236}">
-                <a16:creationId xmlns:a16="http://schemas.microsoft.com/office/drawing/2014/main" id="{84BECF48-F3B6-4D47-82A8-C6AE92EDC2F0}"/>
+                <a16:creationId xmlns:a16="http://schemas.microsoft.com/office/drawing/2014/main" id="{DB668290-7754-529D-CD22-3C1232A62925}"/>
               </a:ext>
             </a:extLst>
           </p:cNvPr>
@@ -642,7 +2350,7 @@
           <p:cNvPr id="4" name="日期版面配置區 3">
             <a:extLst>
               <a:ext uri="{FF2B5EF4-FFF2-40B4-BE49-F238E27FC236}">
-                <a16:creationId xmlns:a16="http://schemas.microsoft.com/office/drawing/2014/main" id="{215DE52A-093E-4116-A2FE-F61BA999B89F}"/>
+                <a16:creationId xmlns:a16="http://schemas.microsoft.com/office/drawing/2014/main" id="{864EAF80-434B-7B3C-8762-3FEDB9862EFC}"/>
               </a:ext>
             </a:extLst>
           </p:cNvPr>
@@ -658,9 +2366,9 @@
           <a:bodyPr/>
           <a:lstStyle/>
           <a:p>
-            <a:fld id="{C3C90D7E-32D6-4894-AE08-7BBB3E610FC9}" type="datetimeFigureOut">
+            <a:fld id="{A43A93F1-9FA3-4D8E-AD5F-200F22544D50}" type="datetimeFigureOut">
               <a:rPr lang="zh-TW" altLang="en-US" smtClean="0"/>
-              <a:t>2024/9/16</a:t>
+              <a:t>2024/11/1</a:t>
             </a:fld>
             <a:endParaRPr lang="zh-TW" altLang="en-US"/>
           </a:p>
@@ -671,7 +2379,7 @@
           <p:cNvPr id="5" name="頁尾版面配置區 4">
             <a:extLst>
               <a:ext uri="{FF2B5EF4-FFF2-40B4-BE49-F238E27FC236}">
-                <a16:creationId xmlns:a16="http://schemas.microsoft.com/office/drawing/2014/main" id="{34553FE1-A5D9-4070-AA9C-378F491D4677}"/>
+                <a16:creationId xmlns:a16="http://schemas.microsoft.com/office/drawing/2014/main" id="{AF57567F-5FB3-604E-3EF5-8085C2C6E94F}"/>
               </a:ext>
             </a:extLst>
           </p:cNvPr>
@@ -696,7 +2404,7 @@
           <p:cNvPr id="6" name="投影片編號版面配置區 5">
             <a:extLst>
               <a:ext uri="{FF2B5EF4-FFF2-40B4-BE49-F238E27FC236}">
-                <a16:creationId xmlns:a16="http://schemas.microsoft.com/office/drawing/2014/main" id="{928EFDDC-5B11-4543-8144-518625EDA57F}"/>
+                <a16:creationId xmlns:a16="http://schemas.microsoft.com/office/drawing/2014/main" id="{B2818CC8-8E18-35AE-FE46-12907CA3C6BE}"/>
               </a:ext>
             </a:extLst>
           </p:cNvPr>
@@ -712,7 +2420,7 @@
           <a:bodyPr/>
           <a:lstStyle/>
           <a:p>
-            <a:fld id="{E31EC408-072F-4346-BD0A-D6AA5788A305}" type="slidenum">
+            <a:fld id="{68A2F2D4-A67E-4958-A3AD-E7D702C4281A}" type="slidenum">
               <a:rPr lang="zh-TW" altLang="en-US" smtClean="0"/>
               <a:t>‹#›</a:t>
             </a:fld>
@@ -723,7 +2431,7 @@
     </p:spTree>
     <p:extLst>
       <p:ext uri="{BB962C8B-B14F-4D97-AF65-F5344CB8AC3E}">
-        <p14:creationId xmlns:p14="http://schemas.microsoft.com/office/powerpoint/2010/main" val="2483123943"/>
+        <p14:creationId xmlns:p14="http://schemas.microsoft.com/office/powerpoint/2010/main" val="4032907077"/>
       </p:ext>
     </p:extLst>
   </p:cSld>
@@ -755,7 +2463,7 @@
           <p:cNvPr id="2" name="標題 1">
             <a:extLst>
               <a:ext uri="{FF2B5EF4-FFF2-40B4-BE49-F238E27FC236}">
-                <a16:creationId xmlns:a16="http://schemas.microsoft.com/office/drawing/2014/main" id="{A1BFCF4C-FB58-444C-B754-A594851E4C7B}"/>
+                <a16:creationId xmlns:a16="http://schemas.microsoft.com/office/drawing/2014/main" id="{30B7EA9E-3D40-311F-3F00-1CA6A8115979}"/>
               </a:ext>
             </a:extLst>
           </p:cNvPr>
@@ -783,7 +2491,7 @@
           <p:cNvPr id="3" name="內容版面配置區 2">
             <a:extLst>
               <a:ext uri="{FF2B5EF4-FFF2-40B4-BE49-F238E27FC236}">
-                <a16:creationId xmlns:a16="http://schemas.microsoft.com/office/drawing/2014/main" id="{987C475D-648F-4511-A6FE-04B04F755F93}"/>
+                <a16:creationId xmlns:a16="http://schemas.microsoft.com/office/drawing/2014/main" id="{D3736676-F88C-CB5D-4A11-8173E341125F}"/>
               </a:ext>
             </a:extLst>
           </p:cNvPr>
@@ -840,7 +2548,7 @@
           <p:cNvPr id="4" name="日期版面配置區 3">
             <a:extLst>
               <a:ext uri="{FF2B5EF4-FFF2-40B4-BE49-F238E27FC236}">
-                <a16:creationId xmlns:a16="http://schemas.microsoft.com/office/drawing/2014/main" id="{F511FCF8-D8F7-4914-920F-D63F2D97F713}"/>
+                <a16:creationId xmlns:a16="http://schemas.microsoft.com/office/drawing/2014/main" id="{01D00327-2F41-7832-8206-2C6807F82CB4}"/>
               </a:ext>
             </a:extLst>
           </p:cNvPr>
@@ -856,9 +2564,9 @@
           <a:bodyPr/>
           <a:lstStyle/>
           <a:p>
-            <a:fld id="{C3C90D7E-32D6-4894-AE08-7BBB3E610FC9}" type="datetimeFigureOut">
+            <a:fld id="{A43A93F1-9FA3-4D8E-AD5F-200F22544D50}" type="datetimeFigureOut">
               <a:rPr lang="zh-TW" altLang="en-US" smtClean="0"/>
-              <a:t>2024/9/16</a:t>
+              <a:t>2024/11/1</a:t>
             </a:fld>
             <a:endParaRPr lang="zh-TW" altLang="en-US"/>
           </a:p>
@@ -869,7 +2577,7 @@
           <p:cNvPr id="5" name="頁尾版面配置區 4">
             <a:extLst>
               <a:ext uri="{FF2B5EF4-FFF2-40B4-BE49-F238E27FC236}">
-                <a16:creationId xmlns:a16="http://schemas.microsoft.com/office/drawing/2014/main" id="{7E1D3E8F-338D-4B4D-B411-5282866FF95D}"/>
+                <a16:creationId xmlns:a16="http://schemas.microsoft.com/office/drawing/2014/main" id="{B2AB7288-7714-0C06-3FA9-A54A33B710DB}"/>
               </a:ext>
             </a:extLst>
           </p:cNvPr>
@@ -894,7 +2602,7 @@
           <p:cNvPr id="6" name="投影片編號版面配置區 5">
             <a:extLst>
               <a:ext uri="{FF2B5EF4-FFF2-40B4-BE49-F238E27FC236}">
-                <a16:creationId xmlns:a16="http://schemas.microsoft.com/office/drawing/2014/main" id="{F7DF3AD5-06B6-42D8-AEDF-66CCE6582524}"/>
+                <a16:creationId xmlns:a16="http://schemas.microsoft.com/office/drawing/2014/main" id="{B4813579-5CA3-C139-B12D-2D3C72C3845C}"/>
               </a:ext>
             </a:extLst>
           </p:cNvPr>
@@ -910,7 +2618,7 @@
           <a:bodyPr/>
           <a:lstStyle/>
           <a:p>
-            <a:fld id="{E31EC408-072F-4346-BD0A-D6AA5788A305}" type="slidenum">
+            <a:fld id="{68A2F2D4-A67E-4958-A3AD-E7D702C4281A}" type="slidenum">
               <a:rPr lang="zh-TW" altLang="en-US" smtClean="0"/>
               <a:t>‹#›</a:t>
             </a:fld>
@@ -921,7 +2629,7 @@
     </p:spTree>
     <p:extLst>
       <p:ext uri="{BB962C8B-B14F-4D97-AF65-F5344CB8AC3E}">
-        <p14:creationId xmlns:p14="http://schemas.microsoft.com/office/powerpoint/2010/main" val="4198509733"/>
+        <p14:creationId xmlns:p14="http://schemas.microsoft.com/office/powerpoint/2010/main" val="3722597460"/>
       </p:ext>
     </p:extLst>
   </p:cSld>
@@ -953,7 +2661,7 @@
           <p:cNvPr id="2" name="標題 1">
             <a:extLst>
               <a:ext uri="{FF2B5EF4-FFF2-40B4-BE49-F238E27FC236}">
-                <a16:creationId xmlns:a16="http://schemas.microsoft.com/office/drawing/2014/main" id="{5986B870-2B24-4658-9AEB-3C92E8E40B41}"/>
+                <a16:creationId xmlns:a16="http://schemas.microsoft.com/office/drawing/2014/main" id="{F4133F80-81BD-92C8-D4A0-1C94CFDEAE2A}"/>
               </a:ext>
             </a:extLst>
           </p:cNvPr>
@@ -990,7 +2698,7 @@
           <p:cNvPr id="3" name="文字版面配置區 2">
             <a:extLst>
               <a:ext uri="{FF2B5EF4-FFF2-40B4-BE49-F238E27FC236}">
-                <a16:creationId xmlns:a16="http://schemas.microsoft.com/office/drawing/2014/main" id="{90235018-E757-4630-8511-F466B919268F}"/>
+                <a16:creationId xmlns:a16="http://schemas.microsoft.com/office/drawing/2014/main" id="{B27C5A67-520B-322E-9678-E8B99B5B1604}"/>
               </a:ext>
             </a:extLst>
           </p:cNvPr>
@@ -1115,7 +2823,7 @@
           <p:cNvPr id="4" name="日期版面配置區 3">
             <a:extLst>
               <a:ext uri="{FF2B5EF4-FFF2-40B4-BE49-F238E27FC236}">
-                <a16:creationId xmlns:a16="http://schemas.microsoft.com/office/drawing/2014/main" id="{37546C76-CF19-433D-9070-0A54A149F1B2}"/>
+                <a16:creationId xmlns:a16="http://schemas.microsoft.com/office/drawing/2014/main" id="{79A11462-4A4D-BC98-8FFF-BE5A66E433CE}"/>
               </a:ext>
             </a:extLst>
           </p:cNvPr>
@@ -1131,9 +2839,9 @@
           <a:bodyPr/>
           <a:lstStyle/>
           <a:p>
-            <a:fld id="{C3C90D7E-32D6-4894-AE08-7BBB3E610FC9}" type="datetimeFigureOut">
+            <a:fld id="{A43A93F1-9FA3-4D8E-AD5F-200F22544D50}" type="datetimeFigureOut">
               <a:rPr lang="zh-TW" altLang="en-US" smtClean="0"/>
-              <a:t>2024/9/16</a:t>
+              <a:t>2024/11/1</a:t>
             </a:fld>
             <a:endParaRPr lang="zh-TW" altLang="en-US"/>
           </a:p>
@@ -1144,7 +2852,7 @@
           <p:cNvPr id="5" name="頁尾版面配置區 4">
             <a:extLst>
               <a:ext uri="{FF2B5EF4-FFF2-40B4-BE49-F238E27FC236}">
-                <a16:creationId xmlns:a16="http://schemas.microsoft.com/office/drawing/2014/main" id="{9C9DC25F-827C-4564-AD0E-7FD815D53AF7}"/>
+                <a16:creationId xmlns:a16="http://schemas.microsoft.com/office/drawing/2014/main" id="{8A0A5FE0-42ED-1C40-9B81-F2018F7C9805}"/>
               </a:ext>
             </a:extLst>
           </p:cNvPr>
@@ -1169,7 +2877,7 @@
           <p:cNvPr id="6" name="投影片編號版面配置區 5">
             <a:extLst>
               <a:ext uri="{FF2B5EF4-FFF2-40B4-BE49-F238E27FC236}">
-                <a16:creationId xmlns:a16="http://schemas.microsoft.com/office/drawing/2014/main" id="{8C0653A6-68AA-4213-8D62-EAF9243D6998}"/>
+                <a16:creationId xmlns:a16="http://schemas.microsoft.com/office/drawing/2014/main" id="{64992232-E9E7-C3FF-9CC2-48809410853F}"/>
               </a:ext>
             </a:extLst>
           </p:cNvPr>
@@ -1185,7 +2893,7 @@
           <a:bodyPr/>
           <a:lstStyle/>
           <a:p>
-            <a:fld id="{E31EC408-072F-4346-BD0A-D6AA5788A305}" type="slidenum">
+            <a:fld id="{68A2F2D4-A67E-4958-A3AD-E7D702C4281A}" type="slidenum">
               <a:rPr lang="zh-TW" altLang="en-US" smtClean="0"/>
               <a:t>‹#›</a:t>
             </a:fld>
@@ -1196,7 +2904,7 @@
     </p:spTree>
     <p:extLst>
       <p:ext uri="{BB962C8B-B14F-4D97-AF65-F5344CB8AC3E}">
-        <p14:creationId xmlns:p14="http://schemas.microsoft.com/office/powerpoint/2010/main" val="3126775509"/>
+        <p14:creationId xmlns:p14="http://schemas.microsoft.com/office/powerpoint/2010/main" val="2371885998"/>
       </p:ext>
     </p:extLst>
   </p:cSld>
@@ -1228,7 +2936,7 @@
           <p:cNvPr id="2" name="標題 1">
             <a:extLst>
               <a:ext uri="{FF2B5EF4-FFF2-40B4-BE49-F238E27FC236}">
-                <a16:creationId xmlns:a16="http://schemas.microsoft.com/office/drawing/2014/main" id="{F8A74D77-9E6E-4FD1-97AD-0ADC1228B6AF}"/>
+                <a16:creationId xmlns:a16="http://schemas.microsoft.com/office/drawing/2014/main" id="{00901620-0607-584E-0429-73E83A4A116D}"/>
               </a:ext>
             </a:extLst>
           </p:cNvPr>
@@ -1256,7 +2964,7 @@
           <p:cNvPr id="3" name="內容版面配置區 2">
             <a:extLst>
               <a:ext uri="{FF2B5EF4-FFF2-40B4-BE49-F238E27FC236}">
-                <a16:creationId xmlns:a16="http://schemas.microsoft.com/office/drawing/2014/main" id="{9FDE4E9B-689C-4373-B281-9636BE211982}"/>
+                <a16:creationId xmlns:a16="http://schemas.microsoft.com/office/drawing/2014/main" id="{7ED114DF-7F60-5AB8-7DE9-66E87F9296B2}"/>
               </a:ext>
             </a:extLst>
           </p:cNvPr>
@@ -1318,7 +3026,7 @@
           <p:cNvPr id="4" name="內容版面配置區 3">
             <a:extLst>
               <a:ext uri="{FF2B5EF4-FFF2-40B4-BE49-F238E27FC236}">
-                <a16:creationId xmlns:a16="http://schemas.microsoft.com/office/drawing/2014/main" id="{CD25EC10-0BDA-4ECA-AB8E-059AC3378E22}"/>
+                <a16:creationId xmlns:a16="http://schemas.microsoft.com/office/drawing/2014/main" id="{72252B1A-7311-A8A0-7930-01DCB4B491AF}"/>
               </a:ext>
             </a:extLst>
           </p:cNvPr>
@@ -1380,7 +3088,7 @@
           <p:cNvPr id="5" name="日期版面配置區 4">
             <a:extLst>
               <a:ext uri="{FF2B5EF4-FFF2-40B4-BE49-F238E27FC236}">
-                <a16:creationId xmlns:a16="http://schemas.microsoft.com/office/drawing/2014/main" id="{63DAF127-0983-4C38-869C-C0A513FA9147}"/>
+                <a16:creationId xmlns:a16="http://schemas.microsoft.com/office/drawing/2014/main" id="{C302960C-540D-EBCF-9356-7BAFD27C2D4D}"/>
               </a:ext>
             </a:extLst>
           </p:cNvPr>
@@ -1396,9 +3104,9 @@
           <a:bodyPr/>
           <a:lstStyle/>
           <a:p>
-            <a:fld id="{C3C90D7E-32D6-4894-AE08-7BBB3E610FC9}" type="datetimeFigureOut">
+            <a:fld id="{A43A93F1-9FA3-4D8E-AD5F-200F22544D50}" type="datetimeFigureOut">
               <a:rPr lang="zh-TW" altLang="en-US" smtClean="0"/>
-              <a:t>2024/9/16</a:t>
+              <a:t>2024/11/1</a:t>
             </a:fld>
             <a:endParaRPr lang="zh-TW" altLang="en-US"/>
           </a:p>
@@ -1409,7 +3117,7 @@
           <p:cNvPr id="6" name="頁尾版面配置區 5">
             <a:extLst>
               <a:ext uri="{FF2B5EF4-FFF2-40B4-BE49-F238E27FC236}">
-                <a16:creationId xmlns:a16="http://schemas.microsoft.com/office/drawing/2014/main" id="{E014CBA6-CCE3-4CF4-8E13-D895EDBD8F25}"/>
+                <a16:creationId xmlns:a16="http://schemas.microsoft.com/office/drawing/2014/main" id="{1D293050-22E6-5267-D7EB-9F9345667969}"/>
               </a:ext>
             </a:extLst>
           </p:cNvPr>
@@ -1434,7 +3142,7 @@
           <p:cNvPr id="7" name="投影片編號版面配置區 6">
             <a:extLst>
               <a:ext uri="{FF2B5EF4-FFF2-40B4-BE49-F238E27FC236}">
-                <a16:creationId xmlns:a16="http://schemas.microsoft.com/office/drawing/2014/main" id="{5CEAA8E5-79B3-445E-B8C3-29BD56CE6D7A}"/>
+                <a16:creationId xmlns:a16="http://schemas.microsoft.com/office/drawing/2014/main" id="{88C1C59A-175B-A882-8185-65578D64D3FA}"/>
               </a:ext>
             </a:extLst>
           </p:cNvPr>
@@ -1450,7 +3158,7 @@
           <a:bodyPr/>
           <a:lstStyle/>
           <a:p>
-            <a:fld id="{E31EC408-072F-4346-BD0A-D6AA5788A305}" type="slidenum">
+            <a:fld id="{68A2F2D4-A67E-4958-A3AD-E7D702C4281A}" type="slidenum">
               <a:rPr lang="zh-TW" altLang="en-US" smtClean="0"/>
               <a:t>‹#›</a:t>
             </a:fld>
@@ -1461,7 +3169,7 @@
     </p:spTree>
     <p:extLst>
       <p:ext uri="{BB962C8B-B14F-4D97-AF65-F5344CB8AC3E}">
-        <p14:creationId xmlns:p14="http://schemas.microsoft.com/office/powerpoint/2010/main" val="3858213488"/>
+        <p14:creationId xmlns:p14="http://schemas.microsoft.com/office/powerpoint/2010/main" val="4072318135"/>
       </p:ext>
     </p:extLst>
   </p:cSld>
@@ -1493,7 +3201,7 @@
           <p:cNvPr id="2" name="標題 1">
             <a:extLst>
               <a:ext uri="{FF2B5EF4-FFF2-40B4-BE49-F238E27FC236}">
-                <a16:creationId xmlns:a16="http://schemas.microsoft.com/office/drawing/2014/main" id="{A00F76B6-8DEC-4A74-A06A-BA0146321CD8}"/>
+                <a16:creationId xmlns:a16="http://schemas.microsoft.com/office/drawing/2014/main" id="{8D91C8C7-5CB9-30E9-6E0A-95DE5687616F}"/>
               </a:ext>
             </a:extLst>
           </p:cNvPr>
@@ -1526,7 +3234,7 @@
           <p:cNvPr id="3" name="文字版面配置區 2">
             <a:extLst>
               <a:ext uri="{FF2B5EF4-FFF2-40B4-BE49-F238E27FC236}">
-                <a16:creationId xmlns:a16="http://schemas.microsoft.com/office/drawing/2014/main" id="{EF00F5C5-99A7-4F16-855A-F170362659F7}"/>
+                <a16:creationId xmlns:a16="http://schemas.microsoft.com/office/drawing/2014/main" id="{6CFAE67C-E04B-B9CB-0ABF-2671D614D459}"/>
               </a:ext>
             </a:extLst>
           </p:cNvPr>
@@ -1597,7 +3305,7 @@
           <p:cNvPr id="4" name="內容版面配置區 3">
             <a:extLst>
               <a:ext uri="{FF2B5EF4-FFF2-40B4-BE49-F238E27FC236}">
-                <a16:creationId xmlns:a16="http://schemas.microsoft.com/office/drawing/2014/main" id="{6722BEB2-C9B4-4C14-8234-D17E84349984}"/>
+                <a16:creationId xmlns:a16="http://schemas.microsoft.com/office/drawing/2014/main" id="{0D164189-F0DD-20DB-6D54-2D5AE889D30F}"/>
               </a:ext>
             </a:extLst>
           </p:cNvPr>
@@ -1659,7 +3367,7 @@
           <p:cNvPr id="5" name="文字版面配置區 4">
             <a:extLst>
               <a:ext uri="{FF2B5EF4-FFF2-40B4-BE49-F238E27FC236}">
-                <a16:creationId xmlns:a16="http://schemas.microsoft.com/office/drawing/2014/main" id="{E4A41162-A0AC-4211-940F-4B92208F9B0E}"/>
+                <a16:creationId xmlns:a16="http://schemas.microsoft.com/office/drawing/2014/main" id="{6D20261E-3D6C-7E9D-7F03-5C5FDFC71F77}"/>
               </a:ext>
             </a:extLst>
           </p:cNvPr>
@@ -1730,7 +3438,7 @@
           <p:cNvPr id="6" name="內容版面配置區 5">
             <a:extLst>
               <a:ext uri="{FF2B5EF4-FFF2-40B4-BE49-F238E27FC236}">
-                <a16:creationId xmlns:a16="http://schemas.microsoft.com/office/drawing/2014/main" id="{E8EA159A-F9D7-4F58-A7C3-6E5B65E42266}"/>
+                <a16:creationId xmlns:a16="http://schemas.microsoft.com/office/drawing/2014/main" id="{4D93CD01-1956-B1BE-4147-80E0FE751C44}"/>
               </a:ext>
             </a:extLst>
           </p:cNvPr>
@@ -1792,7 +3500,7 @@
           <p:cNvPr id="7" name="日期版面配置區 6">
             <a:extLst>
               <a:ext uri="{FF2B5EF4-FFF2-40B4-BE49-F238E27FC236}">
-                <a16:creationId xmlns:a16="http://schemas.microsoft.com/office/drawing/2014/main" id="{AE973E80-9141-48B7-A9D7-605A4541768F}"/>
+                <a16:creationId xmlns:a16="http://schemas.microsoft.com/office/drawing/2014/main" id="{E6ADD0DF-2A6C-BFF6-1200-AF30FAC8E8AB}"/>
               </a:ext>
             </a:extLst>
           </p:cNvPr>
@@ -1808,9 +3516,9 @@
           <a:bodyPr/>
           <a:lstStyle/>
           <a:p>
-            <a:fld id="{C3C90D7E-32D6-4894-AE08-7BBB3E610FC9}" type="datetimeFigureOut">
+            <a:fld id="{A43A93F1-9FA3-4D8E-AD5F-200F22544D50}" type="datetimeFigureOut">
               <a:rPr lang="zh-TW" altLang="en-US" smtClean="0"/>
-              <a:t>2024/9/16</a:t>
+              <a:t>2024/11/1</a:t>
             </a:fld>
             <a:endParaRPr lang="zh-TW" altLang="en-US"/>
           </a:p>
@@ -1821,7 +3529,7 @@
           <p:cNvPr id="8" name="頁尾版面配置區 7">
             <a:extLst>
               <a:ext uri="{FF2B5EF4-FFF2-40B4-BE49-F238E27FC236}">
-                <a16:creationId xmlns:a16="http://schemas.microsoft.com/office/drawing/2014/main" id="{6520B07A-79F8-43E7-8013-632DD2AED223}"/>
+                <a16:creationId xmlns:a16="http://schemas.microsoft.com/office/drawing/2014/main" id="{27EEA275-6E7F-EA99-5F95-C651D79745C1}"/>
               </a:ext>
             </a:extLst>
           </p:cNvPr>
@@ -1846,7 +3554,7 @@
           <p:cNvPr id="9" name="投影片編號版面配置區 8">
             <a:extLst>
               <a:ext uri="{FF2B5EF4-FFF2-40B4-BE49-F238E27FC236}">
-                <a16:creationId xmlns:a16="http://schemas.microsoft.com/office/drawing/2014/main" id="{3B997D8F-4F1C-4DE6-A82C-3E0C38ACAE96}"/>
+                <a16:creationId xmlns:a16="http://schemas.microsoft.com/office/drawing/2014/main" id="{6EF4ED9A-2EE3-674E-80B1-DB1EE0AAF0E9}"/>
               </a:ext>
             </a:extLst>
           </p:cNvPr>
@@ -1862,7 +3570,7 @@
           <a:bodyPr/>
           <a:lstStyle/>
           <a:p>
-            <a:fld id="{E31EC408-072F-4346-BD0A-D6AA5788A305}" type="slidenum">
+            <a:fld id="{68A2F2D4-A67E-4958-A3AD-E7D702C4281A}" type="slidenum">
               <a:rPr lang="zh-TW" altLang="en-US" smtClean="0"/>
               <a:t>‹#›</a:t>
             </a:fld>
@@ -1873,7 +3581,7 @@
     </p:spTree>
     <p:extLst>
       <p:ext uri="{BB962C8B-B14F-4D97-AF65-F5344CB8AC3E}">
-        <p14:creationId xmlns:p14="http://schemas.microsoft.com/office/powerpoint/2010/main" val="3379995638"/>
+        <p14:creationId xmlns:p14="http://schemas.microsoft.com/office/powerpoint/2010/main" val="2456629455"/>
       </p:ext>
     </p:extLst>
   </p:cSld>
@@ -1905,7 +3613,7 @@
           <p:cNvPr id="2" name="標題 1">
             <a:extLst>
               <a:ext uri="{FF2B5EF4-FFF2-40B4-BE49-F238E27FC236}">
-                <a16:creationId xmlns:a16="http://schemas.microsoft.com/office/drawing/2014/main" id="{6CE04611-FD10-429D-89AA-73C259B64293}"/>
+                <a16:creationId xmlns:a16="http://schemas.microsoft.com/office/drawing/2014/main" id="{194B0B86-97A1-4FE4-D97E-8DB1A159EC34}"/>
               </a:ext>
             </a:extLst>
           </p:cNvPr>
@@ -1933,7 +3641,7 @@
           <p:cNvPr id="3" name="日期版面配置區 2">
             <a:extLst>
               <a:ext uri="{FF2B5EF4-FFF2-40B4-BE49-F238E27FC236}">
-                <a16:creationId xmlns:a16="http://schemas.microsoft.com/office/drawing/2014/main" id="{2D9009F3-A280-4DA8-ACC4-187DE2172BCA}"/>
+                <a16:creationId xmlns:a16="http://schemas.microsoft.com/office/drawing/2014/main" id="{39848956-5890-EB84-1C92-6B402604F7C7}"/>
               </a:ext>
             </a:extLst>
           </p:cNvPr>
@@ -1949,9 +3657,9 @@
           <a:bodyPr/>
           <a:lstStyle/>
           <a:p>
-            <a:fld id="{C3C90D7E-32D6-4894-AE08-7BBB3E610FC9}" type="datetimeFigureOut">
+            <a:fld id="{A43A93F1-9FA3-4D8E-AD5F-200F22544D50}" type="datetimeFigureOut">
               <a:rPr lang="zh-TW" altLang="en-US" smtClean="0"/>
-              <a:t>2024/9/16</a:t>
+              <a:t>2024/11/1</a:t>
             </a:fld>
             <a:endParaRPr lang="zh-TW" altLang="en-US"/>
           </a:p>
@@ -1962,7 +3670,7 @@
           <p:cNvPr id="4" name="頁尾版面配置區 3">
             <a:extLst>
               <a:ext uri="{FF2B5EF4-FFF2-40B4-BE49-F238E27FC236}">
-                <a16:creationId xmlns:a16="http://schemas.microsoft.com/office/drawing/2014/main" id="{F8FD791E-F627-4DDB-AD69-F7639FDD1767}"/>
+                <a16:creationId xmlns:a16="http://schemas.microsoft.com/office/drawing/2014/main" id="{80B35A25-C6B7-7DFA-B7BD-6501788451FD}"/>
               </a:ext>
             </a:extLst>
           </p:cNvPr>
@@ -1987,7 +3695,7 @@
           <p:cNvPr id="5" name="投影片編號版面配置區 4">
             <a:extLst>
               <a:ext uri="{FF2B5EF4-FFF2-40B4-BE49-F238E27FC236}">
-                <a16:creationId xmlns:a16="http://schemas.microsoft.com/office/drawing/2014/main" id="{CE9C3C73-9A1B-4A20-B40C-BF8E0726E9AE}"/>
+                <a16:creationId xmlns:a16="http://schemas.microsoft.com/office/drawing/2014/main" id="{80770F43-717C-CDEB-ED41-E19A22B5B687}"/>
               </a:ext>
             </a:extLst>
           </p:cNvPr>
@@ -2003,7 +3711,7 @@
           <a:bodyPr/>
           <a:lstStyle/>
           <a:p>
-            <a:fld id="{E31EC408-072F-4346-BD0A-D6AA5788A305}" type="slidenum">
+            <a:fld id="{68A2F2D4-A67E-4958-A3AD-E7D702C4281A}" type="slidenum">
               <a:rPr lang="zh-TW" altLang="en-US" smtClean="0"/>
               <a:t>‹#›</a:t>
             </a:fld>
@@ -2014,7 +3722,7 @@
     </p:spTree>
     <p:extLst>
       <p:ext uri="{BB962C8B-B14F-4D97-AF65-F5344CB8AC3E}">
-        <p14:creationId xmlns:p14="http://schemas.microsoft.com/office/powerpoint/2010/main" val="3116621787"/>
+        <p14:creationId xmlns:p14="http://schemas.microsoft.com/office/powerpoint/2010/main" val="315802566"/>
       </p:ext>
     </p:extLst>
   </p:cSld>
@@ -2046,7 +3754,7 @@
           <p:cNvPr id="2" name="日期版面配置區 1">
             <a:extLst>
               <a:ext uri="{FF2B5EF4-FFF2-40B4-BE49-F238E27FC236}">
-                <a16:creationId xmlns:a16="http://schemas.microsoft.com/office/drawing/2014/main" id="{1E1D8EED-F2A7-4221-9887-0DBB62EB3F80}"/>
+                <a16:creationId xmlns:a16="http://schemas.microsoft.com/office/drawing/2014/main" id="{346902CD-BDE1-CB48-B272-4CAED1187733}"/>
               </a:ext>
             </a:extLst>
           </p:cNvPr>
@@ -2062,9 +3770,9 @@
           <a:bodyPr/>
           <a:lstStyle/>
           <a:p>
-            <a:fld id="{C3C90D7E-32D6-4894-AE08-7BBB3E610FC9}" type="datetimeFigureOut">
+            <a:fld id="{A43A93F1-9FA3-4D8E-AD5F-200F22544D50}" type="datetimeFigureOut">
               <a:rPr lang="zh-TW" altLang="en-US" smtClean="0"/>
-              <a:t>2024/9/16</a:t>
+              <a:t>2024/11/1</a:t>
             </a:fld>
             <a:endParaRPr lang="zh-TW" altLang="en-US"/>
           </a:p>
@@ -2075,7 +3783,7 @@
           <p:cNvPr id="3" name="頁尾版面配置區 2">
             <a:extLst>
               <a:ext uri="{FF2B5EF4-FFF2-40B4-BE49-F238E27FC236}">
-                <a16:creationId xmlns:a16="http://schemas.microsoft.com/office/drawing/2014/main" id="{10593B39-DC86-45A7-85EF-B4DB9C28DC80}"/>
+                <a16:creationId xmlns:a16="http://schemas.microsoft.com/office/drawing/2014/main" id="{A02BA56E-DBFC-B33A-9AC2-2DD2383F6E28}"/>
               </a:ext>
             </a:extLst>
           </p:cNvPr>
@@ -2100,7 +3808,7 @@
           <p:cNvPr id="4" name="投影片編號版面配置區 3">
             <a:extLst>
               <a:ext uri="{FF2B5EF4-FFF2-40B4-BE49-F238E27FC236}">
-                <a16:creationId xmlns:a16="http://schemas.microsoft.com/office/drawing/2014/main" id="{3D9056B2-6966-4CAF-94D1-2295A737E168}"/>
+                <a16:creationId xmlns:a16="http://schemas.microsoft.com/office/drawing/2014/main" id="{4A56D8F8-CBD7-1B5E-DFD9-155C471D0E8E}"/>
               </a:ext>
             </a:extLst>
           </p:cNvPr>
@@ -2116,7 +3824,7 @@
           <a:bodyPr/>
           <a:lstStyle/>
           <a:p>
-            <a:fld id="{E31EC408-072F-4346-BD0A-D6AA5788A305}" type="slidenum">
+            <a:fld id="{68A2F2D4-A67E-4958-A3AD-E7D702C4281A}" type="slidenum">
               <a:rPr lang="zh-TW" altLang="en-US" smtClean="0"/>
               <a:t>‹#›</a:t>
             </a:fld>
@@ -2127,7 +3835,7 @@
     </p:spTree>
     <p:extLst>
       <p:ext uri="{BB962C8B-B14F-4D97-AF65-F5344CB8AC3E}">
-        <p14:creationId xmlns:p14="http://schemas.microsoft.com/office/powerpoint/2010/main" val="3887241942"/>
+        <p14:creationId xmlns:p14="http://schemas.microsoft.com/office/powerpoint/2010/main" val="3586025072"/>
       </p:ext>
     </p:extLst>
   </p:cSld>
@@ -2159,7 +3867,7 @@
           <p:cNvPr id="2" name="標題 1">
             <a:extLst>
               <a:ext uri="{FF2B5EF4-FFF2-40B4-BE49-F238E27FC236}">
-                <a16:creationId xmlns:a16="http://schemas.microsoft.com/office/drawing/2014/main" id="{5C3076DF-D16B-4600-9550-96C6A8DD7F1A}"/>
+                <a16:creationId xmlns:a16="http://schemas.microsoft.com/office/drawing/2014/main" id="{F030F3A5-C1B4-B7EC-74E6-03FAADC8C998}"/>
               </a:ext>
             </a:extLst>
           </p:cNvPr>
@@ -2196,7 +3904,7 @@
           <p:cNvPr id="3" name="內容版面配置區 2">
             <a:extLst>
               <a:ext uri="{FF2B5EF4-FFF2-40B4-BE49-F238E27FC236}">
-                <a16:creationId xmlns:a16="http://schemas.microsoft.com/office/drawing/2014/main" id="{9CD3D667-FDE5-4F5D-9495-588EC18912CE}"/>
+                <a16:creationId xmlns:a16="http://schemas.microsoft.com/office/drawing/2014/main" id="{32FE37B0-64E3-503F-1F74-811D2A17AD39}"/>
               </a:ext>
             </a:extLst>
           </p:cNvPr>
@@ -2286,7 +3994,7 @@
           <p:cNvPr id="4" name="文字版面配置區 3">
             <a:extLst>
               <a:ext uri="{FF2B5EF4-FFF2-40B4-BE49-F238E27FC236}">
-                <a16:creationId xmlns:a16="http://schemas.microsoft.com/office/drawing/2014/main" id="{22F511E7-BEEF-4F51-BA0E-52C1908D5608}"/>
+                <a16:creationId xmlns:a16="http://schemas.microsoft.com/office/drawing/2014/main" id="{7272BD53-2EBA-FFE7-830C-2197636A4BAA}"/>
               </a:ext>
             </a:extLst>
           </p:cNvPr>
@@ -2357,7 +4065,7 @@
           <p:cNvPr id="5" name="日期版面配置區 4">
             <a:extLst>
               <a:ext uri="{FF2B5EF4-FFF2-40B4-BE49-F238E27FC236}">
-                <a16:creationId xmlns:a16="http://schemas.microsoft.com/office/drawing/2014/main" id="{88060697-A92E-4178-A790-FCBB90D70573}"/>
+                <a16:creationId xmlns:a16="http://schemas.microsoft.com/office/drawing/2014/main" id="{AA8913DA-743F-5408-A7BC-0C41126848E1}"/>
               </a:ext>
             </a:extLst>
           </p:cNvPr>
@@ -2373,9 +4081,9 @@
           <a:bodyPr/>
           <a:lstStyle/>
           <a:p>
-            <a:fld id="{C3C90D7E-32D6-4894-AE08-7BBB3E610FC9}" type="datetimeFigureOut">
+            <a:fld id="{A43A93F1-9FA3-4D8E-AD5F-200F22544D50}" type="datetimeFigureOut">
               <a:rPr lang="zh-TW" altLang="en-US" smtClean="0"/>
-              <a:t>2024/9/16</a:t>
+              <a:t>2024/11/1</a:t>
             </a:fld>
             <a:endParaRPr lang="zh-TW" altLang="en-US"/>
           </a:p>
@@ -2386,7 +4094,7 @@
           <p:cNvPr id="6" name="頁尾版面配置區 5">
             <a:extLst>
               <a:ext uri="{FF2B5EF4-FFF2-40B4-BE49-F238E27FC236}">
-                <a16:creationId xmlns:a16="http://schemas.microsoft.com/office/drawing/2014/main" id="{2A8E3F57-A99A-4C4C-BF14-EE42AB99CE78}"/>
+                <a16:creationId xmlns:a16="http://schemas.microsoft.com/office/drawing/2014/main" id="{666BC08B-E075-7F60-A64D-67EB25BC88D1}"/>
               </a:ext>
             </a:extLst>
           </p:cNvPr>
@@ -2411,7 +4119,7 @@
           <p:cNvPr id="7" name="投影片編號版面配置區 6">
             <a:extLst>
               <a:ext uri="{FF2B5EF4-FFF2-40B4-BE49-F238E27FC236}">
-                <a16:creationId xmlns:a16="http://schemas.microsoft.com/office/drawing/2014/main" id="{39234440-6924-48D7-AC1A-200D5946BCA9}"/>
+                <a16:creationId xmlns:a16="http://schemas.microsoft.com/office/drawing/2014/main" id="{CE7B629D-674B-E2EB-7201-6993F4A05A79}"/>
               </a:ext>
             </a:extLst>
           </p:cNvPr>
@@ -2427,7 +4135,7 @@
           <a:bodyPr/>
           <a:lstStyle/>
           <a:p>
-            <a:fld id="{E31EC408-072F-4346-BD0A-D6AA5788A305}" type="slidenum">
+            <a:fld id="{68A2F2D4-A67E-4958-A3AD-E7D702C4281A}" type="slidenum">
               <a:rPr lang="zh-TW" altLang="en-US" smtClean="0"/>
               <a:t>‹#›</a:t>
             </a:fld>
@@ -2438,7 +4146,7 @@
     </p:spTree>
     <p:extLst>
       <p:ext uri="{BB962C8B-B14F-4D97-AF65-F5344CB8AC3E}">
-        <p14:creationId xmlns:p14="http://schemas.microsoft.com/office/powerpoint/2010/main" val="2036183199"/>
+        <p14:creationId xmlns:p14="http://schemas.microsoft.com/office/powerpoint/2010/main" val="3351313148"/>
       </p:ext>
     </p:extLst>
   </p:cSld>
@@ -2470,7 +4178,7 @@
           <p:cNvPr id="2" name="標題 1">
             <a:extLst>
               <a:ext uri="{FF2B5EF4-FFF2-40B4-BE49-F238E27FC236}">
-                <a16:creationId xmlns:a16="http://schemas.microsoft.com/office/drawing/2014/main" id="{B2E81694-0B93-4D65-9DA3-21597478A96C}"/>
+                <a16:creationId xmlns:a16="http://schemas.microsoft.com/office/drawing/2014/main" id="{DA29D242-D87A-4E0C-3273-8164555477E8}"/>
               </a:ext>
             </a:extLst>
           </p:cNvPr>
@@ -2507,7 +4215,7 @@
           <p:cNvPr id="3" name="圖片版面配置區 2">
             <a:extLst>
               <a:ext uri="{FF2B5EF4-FFF2-40B4-BE49-F238E27FC236}">
-                <a16:creationId xmlns:a16="http://schemas.microsoft.com/office/drawing/2014/main" id="{23E4D718-8CB0-4334-BB8A-FB8B57D7CDC6}"/>
+                <a16:creationId xmlns:a16="http://schemas.microsoft.com/office/drawing/2014/main" id="{012EF5BC-22AC-56ED-ED03-FE2A45EA8DFD}"/>
               </a:ext>
             </a:extLst>
           </p:cNvPr>
@@ -2574,7 +4282,7 @@
           <p:cNvPr id="4" name="文字版面配置區 3">
             <a:extLst>
               <a:ext uri="{FF2B5EF4-FFF2-40B4-BE49-F238E27FC236}">
-                <a16:creationId xmlns:a16="http://schemas.microsoft.com/office/drawing/2014/main" id="{0DC47463-53E7-4FE3-B60B-1657D11127BD}"/>
+                <a16:creationId xmlns:a16="http://schemas.microsoft.com/office/drawing/2014/main" id="{156799E2-0DBE-B5BF-BEA9-970836394BB0}"/>
               </a:ext>
             </a:extLst>
           </p:cNvPr>
@@ -2645,7 +4353,7 @@
           <p:cNvPr id="5" name="日期版面配置區 4">
             <a:extLst>
               <a:ext uri="{FF2B5EF4-FFF2-40B4-BE49-F238E27FC236}">
-                <a16:creationId xmlns:a16="http://schemas.microsoft.com/office/drawing/2014/main" id="{28875DC5-6AFF-40C0-8C77-F81A0A3E1B0F}"/>
+                <a16:creationId xmlns:a16="http://schemas.microsoft.com/office/drawing/2014/main" id="{D0801EC7-4BF8-9795-453D-18DB8D69F1A4}"/>
               </a:ext>
             </a:extLst>
           </p:cNvPr>
@@ -2661,9 +4369,9 @@
           <a:bodyPr/>
           <a:lstStyle/>
           <a:p>
-            <a:fld id="{C3C90D7E-32D6-4894-AE08-7BBB3E610FC9}" type="datetimeFigureOut">
+            <a:fld id="{A43A93F1-9FA3-4D8E-AD5F-200F22544D50}" type="datetimeFigureOut">
               <a:rPr lang="zh-TW" altLang="en-US" smtClean="0"/>
-              <a:t>2024/9/16</a:t>
+              <a:t>2024/11/1</a:t>
             </a:fld>
             <a:endParaRPr lang="zh-TW" altLang="en-US"/>
           </a:p>
@@ -2674,7 +4382,7 @@
           <p:cNvPr id="6" name="頁尾版面配置區 5">
             <a:extLst>
               <a:ext uri="{FF2B5EF4-FFF2-40B4-BE49-F238E27FC236}">
-                <a16:creationId xmlns:a16="http://schemas.microsoft.com/office/drawing/2014/main" id="{24F8A973-6D07-4F0C-97A0-280FEFC238E0}"/>
+                <a16:creationId xmlns:a16="http://schemas.microsoft.com/office/drawing/2014/main" id="{9C063EE7-4D29-C04D-AD3A-BFF8833654F3}"/>
               </a:ext>
             </a:extLst>
           </p:cNvPr>
@@ -2699,7 +4407,7 @@
           <p:cNvPr id="7" name="投影片編號版面配置區 6">
             <a:extLst>
               <a:ext uri="{FF2B5EF4-FFF2-40B4-BE49-F238E27FC236}">
-                <a16:creationId xmlns:a16="http://schemas.microsoft.com/office/drawing/2014/main" id="{DB60BB1E-F41B-40F0-929B-5208374980BF}"/>
+                <a16:creationId xmlns:a16="http://schemas.microsoft.com/office/drawing/2014/main" id="{550003C0-1F07-081A-949C-32107A39E857}"/>
               </a:ext>
             </a:extLst>
           </p:cNvPr>
@@ -2715,7 +4423,7 @@
           <a:bodyPr/>
           <a:lstStyle/>
           <a:p>
-            <a:fld id="{E31EC408-072F-4346-BD0A-D6AA5788A305}" type="slidenum">
+            <a:fld id="{68A2F2D4-A67E-4958-A3AD-E7D702C4281A}" type="slidenum">
               <a:rPr lang="zh-TW" altLang="en-US" smtClean="0"/>
               <a:t>‹#›</a:t>
             </a:fld>
@@ -2726,7 +4434,7 @@
     </p:spTree>
     <p:extLst>
       <p:ext uri="{BB962C8B-B14F-4D97-AF65-F5344CB8AC3E}">
-        <p14:creationId xmlns:p14="http://schemas.microsoft.com/office/powerpoint/2010/main" val="3148270851"/>
+        <p14:creationId xmlns:p14="http://schemas.microsoft.com/office/powerpoint/2010/main" val="2982673526"/>
       </p:ext>
     </p:extLst>
   </p:cSld>
@@ -2763,7 +4471,7 @@
           <p:cNvPr id="2" name="標題版面配置區 1">
             <a:extLst>
               <a:ext uri="{FF2B5EF4-FFF2-40B4-BE49-F238E27FC236}">
-                <a16:creationId xmlns:a16="http://schemas.microsoft.com/office/drawing/2014/main" id="{B8575AAC-624C-4B52-ABD4-699B1E35D2CF}"/>
+                <a16:creationId xmlns:a16="http://schemas.microsoft.com/office/drawing/2014/main" id="{96CC9DA8-C87D-C08D-82C0-70F45D384F21}"/>
               </a:ext>
             </a:extLst>
           </p:cNvPr>
@@ -2801,7 +4509,7 @@
           <p:cNvPr id="3" name="文字版面配置區 2">
             <a:extLst>
               <a:ext uri="{FF2B5EF4-FFF2-40B4-BE49-F238E27FC236}">
-                <a16:creationId xmlns:a16="http://schemas.microsoft.com/office/drawing/2014/main" id="{76722991-C57D-471F-8271-C419A1CFB074}"/>
+                <a16:creationId xmlns:a16="http://schemas.microsoft.com/office/drawing/2014/main" id="{1D8FFA0F-65CE-B392-E0B0-A1A8B290E308}"/>
               </a:ext>
             </a:extLst>
           </p:cNvPr>
@@ -2868,7 +4576,7 @@
           <p:cNvPr id="4" name="日期版面配置區 3">
             <a:extLst>
               <a:ext uri="{FF2B5EF4-FFF2-40B4-BE49-F238E27FC236}">
-                <a16:creationId xmlns:a16="http://schemas.microsoft.com/office/drawing/2014/main" id="{85C839DD-8CBF-4E23-A0C7-7C039E950BB8}"/>
+                <a16:creationId xmlns:a16="http://schemas.microsoft.com/office/drawing/2014/main" id="{F9254D79-FF53-F66A-80E6-CA1B46880DC1}"/>
               </a:ext>
             </a:extLst>
           </p:cNvPr>
@@ -2902,9 +4610,9 @@
             </a:lvl1pPr>
           </a:lstStyle>
           <a:p>
-            <a:fld id="{C3C90D7E-32D6-4894-AE08-7BBB3E610FC9}" type="datetimeFigureOut">
+            <a:fld id="{A43A93F1-9FA3-4D8E-AD5F-200F22544D50}" type="datetimeFigureOut">
               <a:rPr lang="zh-TW" altLang="en-US" smtClean="0"/>
-              <a:t>2024/9/16</a:t>
+              <a:t>2024/11/1</a:t>
             </a:fld>
             <a:endParaRPr lang="zh-TW" altLang="en-US"/>
           </a:p>
@@ -2915,7 +4623,7 @@
           <p:cNvPr id="5" name="頁尾版面配置區 4">
             <a:extLst>
               <a:ext uri="{FF2B5EF4-FFF2-40B4-BE49-F238E27FC236}">
-                <a16:creationId xmlns:a16="http://schemas.microsoft.com/office/drawing/2014/main" id="{12802D8A-77D4-418C-8190-43B6ADED2131}"/>
+                <a16:creationId xmlns:a16="http://schemas.microsoft.com/office/drawing/2014/main" id="{4989060A-32E5-012E-37E8-23E5445DF9E6}"/>
               </a:ext>
             </a:extLst>
           </p:cNvPr>
@@ -2958,7 +4666,7 @@
           <p:cNvPr id="6" name="投影片編號版面配置區 5">
             <a:extLst>
               <a:ext uri="{FF2B5EF4-FFF2-40B4-BE49-F238E27FC236}">
-                <a16:creationId xmlns:a16="http://schemas.microsoft.com/office/drawing/2014/main" id="{7072B55E-2BE2-4AF4-AFF8-2A716F492F1C}"/>
+                <a16:creationId xmlns:a16="http://schemas.microsoft.com/office/drawing/2014/main" id="{DBD93383-8ABC-C6F8-CAA8-E4F57E42F490}"/>
               </a:ext>
             </a:extLst>
           </p:cNvPr>
@@ -2992,7 +4700,7 @@
             </a:lvl1pPr>
           </a:lstStyle>
           <a:p>
-            <a:fld id="{E31EC408-072F-4346-BD0A-D6AA5788A305}" type="slidenum">
+            <a:fld id="{68A2F2D4-A67E-4958-A3AD-E7D702C4281A}" type="slidenum">
               <a:rPr lang="zh-TW" altLang="en-US" smtClean="0"/>
               <a:t>‹#›</a:t>
             </a:fld>
@@ -3003,7 +4711,7 @@
     </p:spTree>
     <p:extLst>
       <p:ext uri="{BB962C8B-B14F-4D97-AF65-F5344CB8AC3E}">
-        <p14:creationId xmlns:p14="http://schemas.microsoft.com/office/powerpoint/2010/main" val="2016052060"/>
+        <p14:creationId xmlns:p14="http://schemas.microsoft.com/office/powerpoint/2010/main" val="3123703506"/>
       </p:ext>
     </p:extLst>
   </p:cSld>
@@ -3326,7 +5034,7 @@
           <p:cNvPr id="2" name="標題 1">
             <a:extLst>
               <a:ext uri="{FF2B5EF4-FFF2-40B4-BE49-F238E27FC236}">
-                <a16:creationId xmlns:a16="http://schemas.microsoft.com/office/drawing/2014/main" id="{32532283-9F93-4E44-8138-32796965361F}"/>
+                <a16:creationId xmlns:a16="http://schemas.microsoft.com/office/drawing/2014/main" id="{327A1B82-A643-F861-7F30-93825A6201C9}"/>
               </a:ext>
             </a:extLst>
           </p:cNvPr>
@@ -3337,44 +5045,1284 @@
             <p:ph type="ctrTitle"/>
           </p:nvPr>
         </p:nvSpPr>
-        <p:spPr/>
-        <p:txBody>
-          <a:bodyPr/>
-          <a:lstStyle/>
-          <a:p>
-            <a:endParaRPr lang="zh-TW" altLang="en-US"/>
-          </a:p>
-        </p:txBody>
-      </p:sp>
-      <p:sp>
-        <p:nvSpPr>
-          <p:cNvPr id="3" name="副標題 2">
-            <a:extLst>
-              <a:ext uri="{FF2B5EF4-FFF2-40B4-BE49-F238E27FC236}">
-                <a16:creationId xmlns:a16="http://schemas.microsoft.com/office/drawing/2014/main" id="{8C946F38-524D-4B98-B9CB-80AEE57E455A}"/>
-              </a:ext>
-            </a:extLst>
-          </p:cNvPr>
-          <p:cNvSpPr>
-            <a:spLocks noGrp="1"/>
-          </p:cNvSpPr>
-          <p:nvPr>
-            <p:ph type="subTitle" idx="1"/>
-          </p:nvPr>
-        </p:nvSpPr>
-        <p:spPr/>
-        <p:txBody>
-          <a:bodyPr/>
-          <a:lstStyle/>
-          <a:p>
-            <a:endParaRPr lang="zh-TW" altLang="en-US"/>
+        <p:spPr>
+          <a:xfrm>
+            <a:off x="-2322444" y="3766171"/>
+            <a:ext cx="9144000" cy="2387600"/>
+          </a:xfrm>
+        </p:spPr>
+        <p:txBody>
+          <a:bodyPr/>
+          <a:lstStyle/>
+          <a:p>
+            <a:r>
+              <a:rPr lang="zh-TW" altLang="en-US" dirty="0">
+                <a:latin typeface="標楷體" panose="03000509000000000000" pitchFamily="65" charset="-120"/>
+                <a:ea typeface="標楷體" panose="03000509000000000000" pitchFamily="65" charset="-120"/>
+              </a:rPr>
+              <a:t>職場故事</a:t>
+            </a:r>
           </a:p>
         </p:txBody>
       </p:sp>
     </p:spTree>
     <p:extLst>
       <p:ext uri="{BB962C8B-B14F-4D97-AF65-F5344CB8AC3E}">
-        <p14:creationId xmlns:p14="http://schemas.microsoft.com/office/powerpoint/2010/main" val="1328321055"/>
+        <p14:creationId xmlns:p14="http://schemas.microsoft.com/office/powerpoint/2010/main" val="3424028974"/>
+      </p:ext>
+    </p:extLst>
+  </p:cSld>
+  <p:clrMapOvr>
+    <a:masterClrMapping/>
+  </p:clrMapOvr>
+</p:sld>
+</file>
+
+<file path=ppt/slides/slide10.xml><?xml version="1.0" encoding="utf-8"?>
+<p:sld xmlns:a="http://schemas.openxmlformats.org/drawingml/2006/main" xmlns:r="http://schemas.openxmlformats.org/officeDocument/2006/relationships" xmlns:p="http://schemas.openxmlformats.org/presentationml/2006/main">
+  <p:cSld>
+    <p:spTree>
+      <p:nvGrpSpPr>
+        <p:cNvPr id="1" name=""/>
+        <p:cNvGrpSpPr/>
+        <p:nvPr/>
+      </p:nvGrpSpPr>
+      <p:grpSpPr>
+        <a:xfrm>
+          <a:off x="0" y="0"/>
+          <a:ext cx="0" cy="0"/>
+          <a:chOff x="0" y="0"/>
+          <a:chExt cx="0" cy="0"/>
+        </a:xfrm>
+      </p:grpSpPr>
+      <p:sp>
+        <p:nvSpPr>
+          <p:cNvPr id="2" name="標題 1">
+            <a:extLst>
+              <a:ext uri="{FF2B5EF4-FFF2-40B4-BE49-F238E27FC236}">
+                <a16:creationId xmlns:a16="http://schemas.microsoft.com/office/drawing/2014/main" id="{FCC94081-03C6-83A3-BDF8-5D7A1E63D53E}"/>
+              </a:ext>
+            </a:extLst>
+          </p:cNvPr>
+          <p:cNvSpPr>
+            <a:spLocks noGrp="1"/>
+          </p:cNvSpPr>
+          <p:nvPr>
+            <p:ph type="title"/>
+          </p:nvPr>
+        </p:nvSpPr>
+        <p:spPr>
+          <a:xfrm>
+            <a:off x="838200" y="613603"/>
+            <a:ext cx="10515600" cy="1325563"/>
+          </a:xfrm>
+        </p:spPr>
+        <p:txBody>
+          <a:bodyPr/>
+          <a:lstStyle/>
+          <a:p>
+            <a:r>
+              <a:rPr lang="en-US" altLang="zh-TW" dirty="0">
+                <a:solidFill>
+                  <a:schemeClr val="bg1"/>
+                </a:solidFill>
+                <a:latin typeface="標楷體" panose="03000509000000000000" pitchFamily="65" charset="-120"/>
+                <a:ea typeface="標楷體" panose="03000509000000000000" pitchFamily="65" charset="-120"/>
+              </a:rPr>
+              <a:t>5.</a:t>
+            </a:r>
+            <a:r>
+              <a:rPr lang="zh-TW" altLang="en-US" dirty="0">
+                <a:solidFill>
+                  <a:schemeClr val="bg1"/>
+                </a:solidFill>
+                <a:latin typeface="標楷體" panose="03000509000000000000" pitchFamily="65" charset="-120"/>
+                <a:ea typeface="標楷體" panose="03000509000000000000" pitchFamily="65" charset="-120"/>
+              </a:rPr>
+              <a:t>意外</a:t>
+            </a:r>
+            <a:endParaRPr lang="zh-TW" altLang="en-US" dirty="0">
+              <a:solidFill>
+                <a:schemeClr val="bg1"/>
+              </a:solidFill>
+            </a:endParaRPr>
+          </a:p>
+        </p:txBody>
+      </p:sp>
+    </p:spTree>
+    <p:extLst>
+      <p:ext uri="{BB962C8B-B14F-4D97-AF65-F5344CB8AC3E}">
+        <p14:creationId xmlns:p14="http://schemas.microsoft.com/office/powerpoint/2010/main" val="4131124555"/>
+      </p:ext>
+    </p:extLst>
+  </p:cSld>
+  <p:clrMapOvr>
+    <a:masterClrMapping/>
+  </p:clrMapOvr>
+  <p:timing>
+    <p:tnLst>
+      <p:par>
+        <p:cTn id="1" dur="indefinite" restart="never" nodeType="tmRoot">
+          <p:childTnLst>
+            <p:video>
+              <p:cMediaNode vol="80000">
+                <p:cTn id="2" repeatCount="indefinite" fill="hold" display="0">
+                  <p:stCondLst>
+                    <p:cond delay="indefinite"/>
+                  </p:stCondLst>
+                </p:cTn>
+                <p:tgtEl>
+                  <p:spTgt spid="6"/>
+                </p:tgtEl>
+              </p:cMediaNode>
+            </p:video>
+          </p:childTnLst>
+        </p:cTn>
+      </p:par>
+    </p:tnLst>
+  </p:timing>
+</p:sld>
+</file>
+
+<file path=ppt/slides/slide11.xml><?xml version="1.0" encoding="utf-8"?>
+<p:sld xmlns:a="http://schemas.openxmlformats.org/drawingml/2006/main" xmlns:r="http://schemas.openxmlformats.org/officeDocument/2006/relationships" xmlns:p="http://schemas.openxmlformats.org/presentationml/2006/main">
+  <p:cSld>
+    <p:spTree>
+      <p:nvGrpSpPr>
+        <p:cNvPr id="1" name=""/>
+        <p:cNvGrpSpPr/>
+        <p:nvPr/>
+      </p:nvGrpSpPr>
+      <p:grpSpPr>
+        <a:xfrm>
+          <a:off x="0" y="0"/>
+          <a:ext cx="0" cy="0"/>
+          <a:chOff x="0" y="0"/>
+          <a:chExt cx="0" cy="0"/>
+        </a:xfrm>
+      </p:grpSpPr>
+      <p:sp>
+        <p:nvSpPr>
+          <p:cNvPr id="2" name="標題 1">
+            <a:extLst>
+              <a:ext uri="{FF2B5EF4-FFF2-40B4-BE49-F238E27FC236}">
+                <a16:creationId xmlns:a16="http://schemas.microsoft.com/office/drawing/2014/main" id="{1C97A553-1682-E909-609B-EC7A9A359316}"/>
+              </a:ext>
+            </a:extLst>
+          </p:cNvPr>
+          <p:cNvSpPr>
+            <a:spLocks noGrp="1"/>
+          </p:cNvSpPr>
+          <p:nvPr>
+            <p:ph type="title"/>
+          </p:nvPr>
+        </p:nvSpPr>
+        <p:spPr/>
+        <p:txBody>
+          <a:bodyPr/>
+          <a:lstStyle/>
+          <a:p>
+            <a:endParaRPr lang="zh-TW" altLang="en-US"/>
+          </a:p>
+        </p:txBody>
+      </p:sp>
+      <p:sp>
+        <p:nvSpPr>
+          <p:cNvPr id="5" name="內容版面配置區 4">
+            <a:extLst>
+              <a:ext uri="{FF2B5EF4-FFF2-40B4-BE49-F238E27FC236}">
+                <a16:creationId xmlns:a16="http://schemas.microsoft.com/office/drawing/2014/main" id="{980CEC19-04F7-9C41-45F6-8533B1D5D5CA}"/>
+              </a:ext>
+            </a:extLst>
+          </p:cNvPr>
+          <p:cNvSpPr>
+            <a:spLocks noGrp="1"/>
+          </p:cNvSpPr>
+          <p:nvPr>
+            <p:ph idx="1"/>
+          </p:nvPr>
+        </p:nvSpPr>
+        <p:spPr/>
+        <p:txBody>
+          <a:bodyPr/>
+          <a:lstStyle/>
+          <a:p>
+            <a:endParaRPr lang="zh-TW" altLang="en-US"/>
+          </a:p>
+        </p:txBody>
+      </p:sp>
+    </p:spTree>
+    <p:extLst>
+      <p:ext uri="{BB962C8B-B14F-4D97-AF65-F5344CB8AC3E}">
+        <p14:creationId xmlns:p14="http://schemas.microsoft.com/office/powerpoint/2010/main" val="1163585030"/>
+      </p:ext>
+    </p:extLst>
+  </p:cSld>
+  <p:clrMapOvr>
+    <a:masterClrMapping/>
+  </p:clrMapOvr>
+</p:sld>
+</file>
+
+<file path=ppt/slides/slide12.xml><?xml version="1.0" encoding="utf-8"?>
+<p:sld xmlns:a="http://schemas.openxmlformats.org/drawingml/2006/main" xmlns:r="http://schemas.openxmlformats.org/officeDocument/2006/relationships" xmlns:p="http://schemas.openxmlformats.org/presentationml/2006/main">
+  <p:cSld>
+    <p:spTree>
+      <p:nvGrpSpPr>
+        <p:cNvPr id="1" name=""/>
+        <p:cNvGrpSpPr/>
+        <p:nvPr/>
+      </p:nvGrpSpPr>
+      <p:grpSpPr>
+        <a:xfrm>
+          <a:off x="0" y="0"/>
+          <a:ext cx="0" cy="0"/>
+          <a:chOff x="0" y="0"/>
+          <a:chExt cx="0" cy="0"/>
+        </a:xfrm>
+      </p:grpSpPr>
+      <p:sp>
+        <p:nvSpPr>
+          <p:cNvPr id="2" name="標題 1">
+            <a:extLst>
+              <a:ext uri="{FF2B5EF4-FFF2-40B4-BE49-F238E27FC236}">
+                <a16:creationId xmlns:a16="http://schemas.microsoft.com/office/drawing/2014/main" id="{93C82C9E-8CC5-BAD8-97F7-1819FE17B3DD}"/>
+              </a:ext>
+            </a:extLst>
+          </p:cNvPr>
+          <p:cNvSpPr>
+            <a:spLocks noGrp="1"/>
+          </p:cNvSpPr>
+          <p:nvPr>
+            <p:ph type="title"/>
+          </p:nvPr>
+        </p:nvSpPr>
+        <p:spPr>
+          <a:xfrm>
+            <a:off x="838200" y="573847"/>
+            <a:ext cx="10515600" cy="1325563"/>
+          </a:xfrm>
+        </p:spPr>
+        <p:txBody>
+          <a:bodyPr/>
+          <a:lstStyle/>
+          <a:p>
+            <a:r>
+              <a:rPr lang="en-US" altLang="zh-TW" dirty="0">
+                <a:solidFill>
+                  <a:schemeClr val="bg1"/>
+                </a:solidFill>
+                <a:latin typeface="標楷體" panose="03000509000000000000" pitchFamily="65" charset="-120"/>
+                <a:ea typeface="標楷體" panose="03000509000000000000" pitchFamily="65" charset="-120"/>
+              </a:rPr>
+              <a:t>6.</a:t>
+            </a:r>
+            <a:r>
+              <a:rPr lang="zh-TW" altLang="en-US" dirty="0">
+                <a:solidFill>
+                  <a:schemeClr val="bg1"/>
+                </a:solidFill>
+                <a:latin typeface="標楷體" panose="03000509000000000000" pitchFamily="65" charset="-120"/>
+                <a:ea typeface="標楷體" panose="03000509000000000000" pitchFamily="65" charset="-120"/>
+              </a:rPr>
+              <a:t>轉折</a:t>
+            </a:r>
+            <a:endParaRPr lang="zh-TW" altLang="en-US" dirty="0">
+              <a:solidFill>
+                <a:schemeClr val="bg1"/>
+              </a:solidFill>
+            </a:endParaRPr>
+          </a:p>
+        </p:txBody>
+      </p:sp>
+    </p:spTree>
+    <p:extLst>
+      <p:ext uri="{BB962C8B-B14F-4D97-AF65-F5344CB8AC3E}">
+        <p14:creationId xmlns:p14="http://schemas.microsoft.com/office/powerpoint/2010/main" val="356278085"/>
+      </p:ext>
+    </p:extLst>
+  </p:cSld>
+  <p:clrMapOvr>
+    <a:masterClrMapping/>
+  </p:clrMapOvr>
+  <p:timing>
+    <p:tnLst>
+      <p:par>
+        <p:cTn id="1" dur="indefinite" restart="never" nodeType="tmRoot">
+          <p:childTnLst>
+            <p:video>
+              <p:cMediaNode vol="80000">
+                <p:cTn id="2" repeatCount="indefinite" fill="hold" display="0">
+                  <p:stCondLst>
+                    <p:cond delay="indefinite"/>
+                  </p:stCondLst>
+                </p:cTn>
+                <p:tgtEl>
+                  <p:spTgt spid="3"/>
+                </p:tgtEl>
+              </p:cMediaNode>
+            </p:video>
+          </p:childTnLst>
+        </p:cTn>
+      </p:par>
+    </p:tnLst>
+  </p:timing>
+</p:sld>
+</file>
+
+<file path=ppt/slides/slide13.xml><?xml version="1.0" encoding="utf-8"?>
+<p:sld xmlns:a="http://schemas.openxmlformats.org/drawingml/2006/main" xmlns:r="http://schemas.openxmlformats.org/officeDocument/2006/relationships" xmlns:p="http://schemas.openxmlformats.org/presentationml/2006/main">
+  <p:cSld>
+    <p:spTree>
+      <p:nvGrpSpPr>
+        <p:cNvPr id="1" name=""/>
+        <p:cNvGrpSpPr/>
+        <p:nvPr/>
+      </p:nvGrpSpPr>
+      <p:grpSpPr>
+        <a:xfrm>
+          <a:off x="0" y="0"/>
+          <a:ext cx="0" cy="0"/>
+          <a:chOff x="0" y="0"/>
+          <a:chExt cx="0" cy="0"/>
+        </a:xfrm>
+      </p:grpSpPr>
+      <p:sp>
+        <p:nvSpPr>
+          <p:cNvPr id="2" name="標題 1">
+            <a:extLst>
+              <a:ext uri="{FF2B5EF4-FFF2-40B4-BE49-F238E27FC236}">
+                <a16:creationId xmlns:a16="http://schemas.microsoft.com/office/drawing/2014/main" id="{4362CC79-2B7F-D5C3-17D4-B72FF8A0D891}"/>
+              </a:ext>
+            </a:extLst>
+          </p:cNvPr>
+          <p:cNvSpPr>
+            <a:spLocks noGrp="1"/>
+          </p:cNvSpPr>
+          <p:nvPr>
+            <p:ph type="title"/>
+          </p:nvPr>
+        </p:nvSpPr>
+        <p:spPr/>
+        <p:txBody>
+          <a:bodyPr/>
+          <a:lstStyle/>
+          <a:p>
+            <a:endParaRPr lang="zh-TW" altLang="en-US"/>
+          </a:p>
+        </p:txBody>
+      </p:sp>
+      <p:sp>
+        <p:nvSpPr>
+          <p:cNvPr id="7" name="內容版面配置區 6">
+            <a:extLst>
+              <a:ext uri="{FF2B5EF4-FFF2-40B4-BE49-F238E27FC236}">
+                <a16:creationId xmlns:a16="http://schemas.microsoft.com/office/drawing/2014/main" id="{682E5BFA-5241-EBB9-7479-635FC9E10C26}"/>
+              </a:ext>
+            </a:extLst>
+          </p:cNvPr>
+          <p:cNvSpPr>
+            <a:spLocks noGrp="1"/>
+          </p:cNvSpPr>
+          <p:nvPr>
+            <p:ph idx="1"/>
+          </p:nvPr>
+        </p:nvSpPr>
+        <p:spPr/>
+        <p:txBody>
+          <a:bodyPr/>
+          <a:lstStyle/>
+          <a:p>
+            <a:endParaRPr lang="zh-TW" altLang="en-US"/>
+          </a:p>
+        </p:txBody>
+      </p:sp>
+    </p:spTree>
+    <p:extLst>
+      <p:ext uri="{BB962C8B-B14F-4D97-AF65-F5344CB8AC3E}">
+        <p14:creationId xmlns:p14="http://schemas.microsoft.com/office/powerpoint/2010/main" val="3143905204"/>
+      </p:ext>
+    </p:extLst>
+  </p:cSld>
+  <p:clrMapOvr>
+    <a:masterClrMapping/>
+  </p:clrMapOvr>
+  <p:timing>
+    <p:tnLst>
+      <p:par>
+        <p:cTn id="1" dur="indefinite" restart="never" nodeType="tmRoot">
+          <p:childTnLst>
+            <p:video>
+              <p:cMediaNode vol="80000">
+                <p:cTn id="2" repeatCount="indefinite" fill="hold" display="0">
+                  <p:stCondLst>
+                    <p:cond delay="indefinite"/>
+                  </p:stCondLst>
+                </p:cTn>
+                <p:tgtEl>
+                  <p:spTgt spid="4"/>
+                </p:tgtEl>
+              </p:cMediaNode>
+            </p:video>
+          </p:childTnLst>
+        </p:cTn>
+      </p:par>
+    </p:tnLst>
+  </p:timing>
+</p:sld>
+</file>
+
+<file path=ppt/slides/slide14.xml><?xml version="1.0" encoding="utf-8"?>
+<p:sld xmlns:a="http://schemas.openxmlformats.org/drawingml/2006/main" xmlns:r="http://schemas.openxmlformats.org/officeDocument/2006/relationships" xmlns:p="http://schemas.openxmlformats.org/presentationml/2006/main">
+  <p:cSld>
+    <p:spTree>
+      <p:nvGrpSpPr>
+        <p:cNvPr id="1" name=""/>
+        <p:cNvGrpSpPr/>
+        <p:nvPr/>
+      </p:nvGrpSpPr>
+      <p:grpSpPr>
+        <a:xfrm>
+          <a:off x="0" y="0"/>
+          <a:ext cx="0" cy="0"/>
+          <a:chOff x="0" y="0"/>
+          <a:chExt cx="0" cy="0"/>
+        </a:xfrm>
+      </p:grpSpPr>
+      <p:sp>
+        <p:nvSpPr>
+          <p:cNvPr id="2" name="標題 1">
+            <a:extLst>
+              <a:ext uri="{FF2B5EF4-FFF2-40B4-BE49-F238E27FC236}">
+                <a16:creationId xmlns:a16="http://schemas.microsoft.com/office/drawing/2014/main" id="{BB16CD9C-0CD7-4CB0-462E-ACFE41A088B3}"/>
+              </a:ext>
+            </a:extLst>
+          </p:cNvPr>
+          <p:cNvSpPr>
+            <a:spLocks noGrp="1"/>
+          </p:cNvSpPr>
+          <p:nvPr>
+            <p:ph type="title"/>
+          </p:nvPr>
+        </p:nvSpPr>
+        <p:spPr>
+          <a:xfrm>
+            <a:off x="838200" y="424760"/>
+            <a:ext cx="10515600" cy="1325563"/>
+          </a:xfrm>
+        </p:spPr>
+        <p:txBody>
+          <a:bodyPr/>
+          <a:lstStyle/>
+          <a:p>
+            <a:r>
+              <a:rPr lang="en-US" altLang="zh-TW" dirty="0">
+                <a:solidFill>
+                  <a:schemeClr val="bg1">
+                    <a:lumMod val="95000"/>
+                  </a:schemeClr>
+                </a:solidFill>
+                <a:latin typeface="標楷體" panose="03000509000000000000" pitchFamily="65" charset="-120"/>
+                <a:ea typeface="標楷體" panose="03000509000000000000" pitchFamily="65" charset="-120"/>
+              </a:rPr>
+              <a:t>7.</a:t>
+            </a:r>
+            <a:r>
+              <a:rPr lang="zh-TW" altLang="en-US" dirty="0">
+                <a:solidFill>
+                  <a:schemeClr val="bg1">
+                    <a:lumMod val="95000"/>
+                  </a:schemeClr>
+                </a:solidFill>
+                <a:latin typeface="標楷體" panose="03000509000000000000" pitchFamily="65" charset="-120"/>
+                <a:ea typeface="標楷體" panose="03000509000000000000" pitchFamily="65" charset="-120"/>
+              </a:rPr>
+              <a:t>結局</a:t>
+            </a:r>
+            <a:endParaRPr lang="zh-TW" altLang="en-US" dirty="0">
+              <a:solidFill>
+                <a:schemeClr val="bg1">
+                  <a:lumMod val="95000"/>
+                </a:schemeClr>
+              </a:solidFill>
+            </a:endParaRPr>
+          </a:p>
+        </p:txBody>
+      </p:sp>
+    </p:spTree>
+    <p:extLst>
+      <p:ext uri="{BB962C8B-B14F-4D97-AF65-F5344CB8AC3E}">
+        <p14:creationId xmlns:p14="http://schemas.microsoft.com/office/powerpoint/2010/main" val="3081062678"/>
+      </p:ext>
+    </p:extLst>
+  </p:cSld>
+  <p:clrMapOvr>
+    <a:masterClrMapping/>
+  </p:clrMapOvr>
+</p:sld>
+</file>
+
+<file path=ppt/slides/slide15.xml><?xml version="1.0" encoding="utf-8"?>
+<p:sld xmlns:a="http://schemas.openxmlformats.org/drawingml/2006/main" xmlns:r="http://schemas.openxmlformats.org/officeDocument/2006/relationships" xmlns:p="http://schemas.openxmlformats.org/presentationml/2006/main">
+  <p:cSld>
+    <p:spTree>
+      <p:nvGrpSpPr>
+        <p:cNvPr id="1" name=""/>
+        <p:cNvGrpSpPr/>
+        <p:nvPr/>
+      </p:nvGrpSpPr>
+      <p:grpSpPr>
+        <a:xfrm>
+          <a:off x="0" y="0"/>
+          <a:ext cx="0" cy="0"/>
+          <a:chOff x="0" y="0"/>
+          <a:chExt cx="0" cy="0"/>
+        </a:xfrm>
+      </p:grpSpPr>
+      <p:sp>
+        <p:nvSpPr>
+          <p:cNvPr id="2" name="標題 1">
+            <a:extLst>
+              <a:ext uri="{FF2B5EF4-FFF2-40B4-BE49-F238E27FC236}">
+                <a16:creationId xmlns:a16="http://schemas.microsoft.com/office/drawing/2014/main" id="{85CB2B77-7BEC-2F34-4FD1-E464884E3BF1}"/>
+              </a:ext>
+            </a:extLst>
+          </p:cNvPr>
+          <p:cNvSpPr>
+            <a:spLocks noGrp="1"/>
+          </p:cNvSpPr>
+          <p:nvPr>
+            <p:ph type="title"/>
+          </p:nvPr>
+        </p:nvSpPr>
+        <p:spPr/>
+        <p:txBody>
+          <a:bodyPr/>
+          <a:lstStyle/>
+          <a:p>
+            <a:endParaRPr lang="zh-TW" altLang="en-US"/>
+          </a:p>
+        </p:txBody>
+      </p:sp>
+      <p:sp>
+        <p:nvSpPr>
+          <p:cNvPr id="5" name="內容版面配置區 4">
+            <a:extLst>
+              <a:ext uri="{FF2B5EF4-FFF2-40B4-BE49-F238E27FC236}">
+                <a16:creationId xmlns:a16="http://schemas.microsoft.com/office/drawing/2014/main" id="{C4E3CBD7-D242-782E-C799-1BE96730BE3C}"/>
+              </a:ext>
+            </a:extLst>
+          </p:cNvPr>
+          <p:cNvSpPr>
+            <a:spLocks noGrp="1"/>
+          </p:cNvSpPr>
+          <p:nvPr>
+            <p:ph idx="1"/>
+          </p:nvPr>
+        </p:nvSpPr>
+        <p:spPr/>
+        <p:txBody>
+          <a:bodyPr/>
+          <a:lstStyle/>
+          <a:p>
+            <a:endParaRPr lang="zh-TW" altLang="en-US"/>
+          </a:p>
+        </p:txBody>
+      </p:sp>
+    </p:spTree>
+    <p:extLst>
+      <p:ext uri="{BB962C8B-B14F-4D97-AF65-F5344CB8AC3E}">
+        <p14:creationId xmlns:p14="http://schemas.microsoft.com/office/powerpoint/2010/main" val="1209814138"/>
+      </p:ext>
+    </p:extLst>
+  </p:cSld>
+  <p:clrMapOvr>
+    <a:masterClrMapping/>
+  </p:clrMapOvr>
+</p:sld>
+</file>
+
+<file path=ppt/slides/slide2.xml><?xml version="1.0" encoding="utf-8"?>
+<p:sld xmlns:a="http://schemas.openxmlformats.org/drawingml/2006/main" xmlns:r="http://schemas.openxmlformats.org/officeDocument/2006/relationships" xmlns:p="http://schemas.openxmlformats.org/presentationml/2006/main">
+  <p:cSld>
+    <p:spTree>
+      <p:nvGrpSpPr>
+        <p:cNvPr id="1" name=""/>
+        <p:cNvGrpSpPr/>
+        <p:nvPr/>
+      </p:nvGrpSpPr>
+      <p:grpSpPr>
+        <a:xfrm>
+          <a:off x="0" y="0"/>
+          <a:ext cx="0" cy="0"/>
+          <a:chOff x="0" y="0"/>
+          <a:chExt cx="0" cy="0"/>
+        </a:xfrm>
+      </p:grpSpPr>
+      <p:sp>
+        <p:nvSpPr>
+          <p:cNvPr id="2" name="標題 1">
+            <a:extLst>
+              <a:ext uri="{FF2B5EF4-FFF2-40B4-BE49-F238E27FC236}">
+                <a16:creationId xmlns:a16="http://schemas.microsoft.com/office/drawing/2014/main" id="{7CFD4BC6-3B61-C937-EDD3-5FF328A45425}"/>
+              </a:ext>
+            </a:extLst>
+          </p:cNvPr>
+          <p:cNvSpPr>
+            <a:spLocks noGrp="1"/>
+          </p:cNvSpPr>
+          <p:nvPr>
+            <p:ph type="title"/>
+          </p:nvPr>
+        </p:nvSpPr>
+        <p:spPr>
+          <a:xfrm>
+            <a:off x="605467" y="1393583"/>
+            <a:ext cx="1933575" cy="1325563"/>
+          </a:xfrm>
+        </p:spPr>
+        <p:txBody>
+          <a:bodyPr/>
+          <a:lstStyle/>
+          <a:p>
+            <a:r>
+              <a:rPr lang="en-US" altLang="zh-TW" dirty="0">
+                <a:latin typeface="標楷體" panose="03000509000000000000" pitchFamily="65" charset="-120"/>
+                <a:ea typeface="標楷體" panose="03000509000000000000" pitchFamily="65" charset="-120"/>
+              </a:rPr>
+              <a:t>1.</a:t>
+            </a:r>
+            <a:r>
+              <a:rPr lang="zh-TW" altLang="en-US" dirty="0">
+                <a:latin typeface="標楷體" panose="03000509000000000000" pitchFamily="65" charset="-120"/>
+                <a:ea typeface="標楷體" panose="03000509000000000000" pitchFamily="65" charset="-120"/>
+              </a:rPr>
+              <a:t>目標</a:t>
+            </a:r>
+          </a:p>
+        </p:txBody>
+      </p:sp>
+    </p:spTree>
+    <p:extLst>
+      <p:ext uri="{BB962C8B-B14F-4D97-AF65-F5344CB8AC3E}">
+        <p14:creationId xmlns:p14="http://schemas.microsoft.com/office/powerpoint/2010/main" val="1162884986"/>
+      </p:ext>
+    </p:extLst>
+  </p:cSld>
+  <p:clrMapOvr>
+    <a:masterClrMapping/>
+  </p:clrMapOvr>
+</p:sld>
+</file>
+
+<file path=ppt/slides/slide3.xml><?xml version="1.0" encoding="utf-8"?>
+<p:sld xmlns:a="http://schemas.openxmlformats.org/drawingml/2006/main" xmlns:r="http://schemas.openxmlformats.org/officeDocument/2006/relationships" xmlns:p="http://schemas.openxmlformats.org/presentationml/2006/main">
+  <p:cSld>
+    <p:spTree>
+      <p:nvGrpSpPr>
+        <p:cNvPr id="1" name=""/>
+        <p:cNvGrpSpPr/>
+        <p:nvPr/>
+      </p:nvGrpSpPr>
+      <p:grpSpPr>
+        <a:xfrm>
+          <a:off x="0" y="0"/>
+          <a:ext cx="0" cy="0"/>
+          <a:chOff x="0" y="0"/>
+          <a:chExt cx="0" cy="0"/>
+        </a:xfrm>
+      </p:grpSpPr>
+      <p:sp>
+        <p:nvSpPr>
+          <p:cNvPr id="2" name="標題 1">
+            <a:extLst>
+              <a:ext uri="{FF2B5EF4-FFF2-40B4-BE49-F238E27FC236}">
+                <a16:creationId xmlns:a16="http://schemas.microsoft.com/office/drawing/2014/main" id="{BE308B6A-EEFF-6C97-ED03-F0830FF983D0}"/>
+              </a:ext>
+            </a:extLst>
+          </p:cNvPr>
+          <p:cNvSpPr>
+            <a:spLocks noGrp="1"/>
+          </p:cNvSpPr>
+          <p:nvPr>
+            <p:ph type="title"/>
+          </p:nvPr>
+        </p:nvSpPr>
+        <p:spPr/>
+        <p:txBody>
+          <a:bodyPr/>
+          <a:lstStyle/>
+          <a:p>
+            <a:endParaRPr lang="zh-TW" altLang="en-US"/>
+          </a:p>
+        </p:txBody>
+      </p:sp>
+      <p:sp>
+        <p:nvSpPr>
+          <p:cNvPr id="4" name="內容版面配置區 3">
+            <a:extLst>
+              <a:ext uri="{FF2B5EF4-FFF2-40B4-BE49-F238E27FC236}">
+                <a16:creationId xmlns:a16="http://schemas.microsoft.com/office/drawing/2014/main" id="{3113E635-739F-1D6E-C2AE-CC265757EF6C}"/>
+              </a:ext>
+            </a:extLst>
+          </p:cNvPr>
+          <p:cNvSpPr>
+            <a:spLocks noGrp="1"/>
+          </p:cNvSpPr>
+          <p:nvPr>
+            <p:ph idx="1"/>
+          </p:nvPr>
+        </p:nvSpPr>
+        <p:spPr/>
+        <p:txBody>
+          <a:bodyPr/>
+          <a:lstStyle/>
+          <a:p>
+            <a:endParaRPr lang="zh-TW" altLang="en-US"/>
+          </a:p>
+        </p:txBody>
+      </p:sp>
+    </p:spTree>
+    <p:extLst>
+      <p:ext uri="{BB962C8B-B14F-4D97-AF65-F5344CB8AC3E}">
+        <p14:creationId xmlns:p14="http://schemas.microsoft.com/office/powerpoint/2010/main" val="2528322348"/>
+      </p:ext>
+    </p:extLst>
+  </p:cSld>
+  <p:clrMapOvr>
+    <a:masterClrMapping/>
+  </p:clrMapOvr>
+</p:sld>
+</file>
+
+<file path=ppt/slides/slide4.xml><?xml version="1.0" encoding="utf-8"?>
+<p:sld xmlns:a="http://schemas.openxmlformats.org/drawingml/2006/main" xmlns:r="http://schemas.openxmlformats.org/officeDocument/2006/relationships" xmlns:p="http://schemas.openxmlformats.org/presentationml/2006/main">
+  <p:cSld>
+    <p:spTree>
+      <p:nvGrpSpPr>
+        <p:cNvPr id="1" name=""/>
+        <p:cNvGrpSpPr/>
+        <p:nvPr/>
+      </p:nvGrpSpPr>
+      <p:grpSpPr>
+        <a:xfrm>
+          <a:off x="0" y="0"/>
+          <a:ext cx="0" cy="0"/>
+          <a:chOff x="0" y="0"/>
+          <a:chExt cx="0" cy="0"/>
+        </a:xfrm>
+      </p:grpSpPr>
+      <p:sp>
+        <p:nvSpPr>
+          <p:cNvPr id="2" name="標題 1">
+            <a:extLst>
+              <a:ext uri="{FF2B5EF4-FFF2-40B4-BE49-F238E27FC236}">
+                <a16:creationId xmlns:a16="http://schemas.microsoft.com/office/drawing/2014/main" id="{E9FF788E-A76D-8582-60A9-85B8BBCD1C1F}"/>
+              </a:ext>
+            </a:extLst>
+          </p:cNvPr>
+          <p:cNvSpPr>
+            <a:spLocks noGrp="1"/>
+          </p:cNvSpPr>
+          <p:nvPr>
+            <p:ph type="title"/>
+          </p:nvPr>
+        </p:nvSpPr>
+        <p:spPr>
+          <a:xfrm>
+            <a:off x="838200" y="1180135"/>
+            <a:ext cx="10515600" cy="1325563"/>
+          </a:xfrm>
+        </p:spPr>
+        <p:txBody>
+          <a:bodyPr/>
+          <a:lstStyle/>
+          <a:p>
+            <a:r>
+              <a:rPr lang="en-US" altLang="zh-TW" dirty="0">
+                <a:solidFill>
+                  <a:schemeClr val="bg1">
+                    <a:lumMod val="95000"/>
+                  </a:schemeClr>
+                </a:solidFill>
+                <a:latin typeface="標楷體" panose="03000509000000000000" pitchFamily="65" charset="-120"/>
+                <a:ea typeface="標楷體" panose="03000509000000000000" pitchFamily="65" charset="-120"/>
+              </a:rPr>
+              <a:t>2.</a:t>
+            </a:r>
+            <a:r>
+              <a:rPr lang="zh-TW" altLang="en-US" dirty="0">
+                <a:solidFill>
+                  <a:schemeClr val="bg1">
+                    <a:lumMod val="95000"/>
+                  </a:schemeClr>
+                </a:solidFill>
+                <a:latin typeface="標楷體" panose="03000509000000000000" pitchFamily="65" charset="-120"/>
+                <a:ea typeface="標楷體" panose="03000509000000000000" pitchFamily="65" charset="-120"/>
+              </a:rPr>
+              <a:t>阻礙</a:t>
+            </a:r>
+            <a:endParaRPr lang="zh-TW" altLang="en-US" dirty="0">
+              <a:solidFill>
+                <a:schemeClr val="bg1">
+                  <a:lumMod val="95000"/>
+                </a:schemeClr>
+              </a:solidFill>
+            </a:endParaRPr>
+          </a:p>
+        </p:txBody>
+      </p:sp>
+    </p:spTree>
+    <p:extLst>
+      <p:ext uri="{BB962C8B-B14F-4D97-AF65-F5344CB8AC3E}">
+        <p14:creationId xmlns:p14="http://schemas.microsoft.com/office/powerpoint/2010/main" val="2703398863"/>
+      </p:ext>
+    </p:extLst>
+  </p:cSld>
+  <p:clrMapOvr>
+    <a:masterClrMapping/>
+  </p:clrMapOvr>
+</p:sld>
+</file>
+
+<file path=ppt/slides/slide5.xml><?xml version="1.0" encoding="utf-8"?>
+<p:sld xmlns:a="http://schemas.openxmlformats.org/drawingml/2006/main" xmlns:r="http://schemas.openxmlformats.org/officeDocument/2006/relationships" xmlns:p="http://schemas.openxmlformats.org/presentationml/2006/main">
+  <p:cSld>
+    <p:spTree>
+      <p:nvGrpSpPr>
+        <p:cNvPr id="1" name=""/>
+        <p:cNvGrpSpPr/>
+        <p:nvPr/>
+      </p:nvGrpSpPr>
+      <p:grpSpPr>
+        <a:xfrm>
+          <a:off x="0" y="0"/>
+          <a:ext cx="0" cy="0"/>
+          <a:chOff x="0" y="0"/>
+          <a:chExt cx="0" cy="0"/>
+        </a:xfrm>
+      </p:grpSpPr>
+      <p:sp>
+        <p:nvSpPr>
+          <p:cNvPr id="2" name="標題 1">
+            <a:extLst>
+              <a:ext uri="{FF2B5EF4-FFF2-40B4-BE49-F238E27FC236}">
+                <a16:creationId xmlns:a16="http://schemas.microsoft.com/office/drawing/2014/main" id="{76F507B9-A96D-0697-59EE-106B12B070FB}"/>
+              </a:ext>
+            </a:extLst>
+          </p:cNvPr>
+          <p:cNvSpPr>
+            <a:spLocks noGrp="1"/>
+          </p:cNvSpPr>
+          <p:nvPr>
+            <p:ph type="title"/>
+          </p:nvPr>
+        </p:nvSpPr>
+        <p:spPr/>
+        <p:txBody>
+          <a:bodyPr/>
+          <a:lstStyle/>
+          <a:p>
+            <a:endParaRPr lang="zh-TW" altLang="en-US"/>
+          </a:p>
+        </p:txBody>
+      </p:sp>
+      <p:sp>
+        <p:nvSpPr>
+          <p:cNvPr id="7" name="內容版面配置區 6">
+            <a:extLst>
+              <a:ext uri="{FF2B5EF4-FFF2-40B4-BE49-F238E27FC236}">
+                <a16:creationId xmlns:a16="http://schemas.microsoft.com/office/drawing/2014/main" id="{385A5259-D0B1-9611-A32F-A0357DC594FE}"/>
+              </a:ext>
+            </a:extLst>
+          </p:cNvPr>
+          <p:cNvSpPr>
+            <a:spLocks noGrp="1"/>
+          </p:cNvSpPr>
+          <p:nvPr>
+            <p:ph idx="1"/>
+          </p:nvPr>
+        </p:nvSpPr>
+        <p:spPr/>
+        <p:txBody>
+          <a:bodyPr/>
+          <a:lstStyle/>
+          <a:p>
+            <a:endParaRPr lang="zh-TW" altLang="en-US"/>
+          </a:p>
+        </p:txBody>
+      </p:sp>
+    </p:spTree>
+    <p:extLst>
+      <p:ext uri="{BB962C8B-B14F-4D97-AF65-F5344CB8AC3E}">
+        <p14:creationId xmlns:p14="http://schemas.microsoft.com/office/powerpoint/2010/main" val="3667073150"/>
+      </p:ext>
+    </p:extLst>
+  </p:cSld>
+  <p:clrMapOvr>
+    <a:masterClrMapping/>
+  </p:clrMapOvr>
+</p:sld>
+</file>
+
+<file path=ppt/slides/slide6.xml><?xml version="1.0" encoding="utf-8"?>
+<p:sld xmlns:a="http://schemas.openxmlformats.org/drawingml/2006/main" xmlns:r="http://schemas.openxmlformats.org/officeDocument/2006/relationships" xmlns:p="http://schemas.openxmlformats.org/presentationml/2006/main">
+  <p:cSld>
+    <p:spTree>
+      <p:nvGrpSpPr>
+        <p:cNvPr id="1" name=""/>
+        <p:cNvGrpSpPr/>
+        <p:nvPr/>
+      </p:nvGrpSpPr>
+      <p:grpSpPr>
+        <a:xfrm>
+          <a:off x="0" y="0"/>
+          <a:ext cx="0" cy="0"/>
+          <a:chOff x="0" y="0"/>
+          <a:chExt cx="0" cy="0"/>
+        </a:xfrm>
+      </p:grpSpPr>
+      <p:sp>
+        <p:nvSpPr>
+          <p:cNvPr id="2" name="標題 1">
+            <a:extLst>
+              <a:ext uri="{FF2B5EF4-FFF2-40B4-BE49-F238E27FC236}">
+                <a16:creationId xmlns:a16="http://schemas.microsoft.com/office/drawing/2014/main" id="{A81E0B97-6FD4-97D0-75C3-DE001D891963}"/>
+              </a:ext>
+            </a:extLst>
+          </p:cNvPr>
+          <p:cNvSpPr>
+            <a:spLocks noGrp="1"/>
+          </p:cNvSpPr>
+          <p:nvPr>
+            <p:ph type="title"/>
+          </p:nvPr>
+        </p:nvSpPr>
+        <p:spPr>
+          <a:xfrm>
+            <a:off x="480390" y="413785"/>
+            <a:ext cx="2113060" cy="1325563"/>
+          </a:xfrm>
+        </p:spPr>
+        <p:txBody>
+          <a:bodyPr/>
+          <a:lstStyle/>
+          <a:p>
+            <a:r>
+              <a:rPr lang="en-US" altLang="zh-TW" dirty="0">
+                <a:solidFill>
+                  <a:schemeClr val="bg1"/>
+                </a:solidFill>
+                <a:latin typeface="標楷體" panose="03000509000000000000" pitchFamily="65" charset="-120"/>
+                <a:ea typeface="標楷體" panose="03000509000000000000" pitchFamily="65" charset="-120"/>
+              </a:rPr>
+              <a:t>3.</a:t>
+            </a:r>
+            <a:r>
+              <a:rPr lang="zh-TW" altLang="en-US" dirty="0">
+                <a:solidFill>
+                  <a:schemeClr val="bg1"/>
+                </a:solidFill>
+                <a:latin typeface="標楷體" panose="03000509000000000000" pitchFamily="65" charset="-120"/>
+                <a:ea typeface="標楷體" panose="03000509000000000000" pitchFamily="65" charset="-120"/>
+              </a:rPr>
+              <a:t>努力</a:t>
+            </a:r>
+            <a:endParaRPr lang="zh-TW" altLang="en-US" dirty="0">
+              <a:solidFill>
+                <a:schemeClr val="bg1"/>
+              </a:solidFill>
+            </a:endParaRPr>
+          </a:p>
+        </p:txBody>
+      </p:sp>
+    </p:spTree>
+    <p:extLst>
+      <p:ext uri="{BB962C8B-B14F-4D97-AF65-F5344CB8AC3E}">
+        <p14:creationId xmlns:p14="http://schemas.microsoft.com/office/powerpoint/2010/main" val="4196145737"/>
+      </p:ext>
+    </p:extLst>
+  </p:cSld>
+  <p:clrMapOvr>
+    <a:masterClrMapping/>
+  </p:clrMapOvr>
+  <p:timing>
+    <p:tnLst>
+      <p:par>
+        <p:cTn id="1" dur="indefinite" restart="never" nodeType="tmRoot">
+          <p:childTnLst>
+            <p:video>
+              <p:cMediaNode vol="80000">
+                <p:cTn id="2" repeatCount="indefinite" fill="hold" display="0">
+                  <p:stCondLst>
+                    <p:cond delay="indefinite"/>
+                  </p:stCondLst>
+                </p:cTn>
+                <p:tgtEl>
+                  <p:spTgt spid="3"/>
+                </p:tgtEl>
+              </p:cMediaNode>
+            </p:video>
+          </p:childTnLst>
+        </p:cTn>
+      </p:par>
+    </p:tnLst>
+  </p:timing>
+</p:sld>
+</file>
+
+<file path=ppt/slides/slide7.xml><?xml version="1.0" encoding="utf-8"?>
+<p:sld xmlns:a="http://schemas.openxmlformats.org/drawingml/2006/main" xmlns:r="http://schemas.openxmlformats.org/officeDocument/2006/relationships" xmlns:p="http://schemas.openxmlformats.org/presentationml/2006/main">
+  <p:cSld>
+    <p:spTree>
+      <p:nvGrpSpPr>
+        <p:cNvPr id="1" name=""/>
+        <p:cNvGrpSpPr/>
+        <p:nvPr/>
+      </p:nvGrpSpPr>
+      <p:grpSpPr>
+        <a:xfrm>
+          <a:off x="0" y="0"/>
+          <a:ext cx="0" cy="0"/>
+          <a:chOff x="0" y="0"/>
+          <a:chExt cx="0" cy="0"/>
+        </a:xfrm>
+      </p:grpSpPr>
+      <p:sp>
+        <p:nvSpPr>
+          <p:cNvPr id="2" name="標題 1">
+            <a:extLst>
+              <a:ext uri="{FF2B5EF4-FFF2-40B4-BE49-F238E27FC236}">
+                <a16:creationId xmlns:a16="http://schemas.microsoft.com/office/drawing/2014/main" id="{5465E5D0-D1FB-CF01-5F52-76E2CBBFED35}"/>
+              </a:ext>
+            </a:extLst>
+          </p:cNvPr>
+          <p:cNvSpPr>
+            <a:spLocks noGrp="1"/>
+          </p:cNvSpPr>
+          <p:nvPr>
+            <p:ph type="title"/>
+          </p:nvPr>
+        </p:nvSpPr>
+        <p:spPr/>
+        <p:txBody>
+          <a:bodyPr/>
+          <a:lstStyle/>
+          <a:p>
+            <a:endParaRPr lang="zh-TW" altLang="en-US"/>
+          </a:p>
+        </p:txBody>
+      </p:sp>
+      <p:sp>
+        <p:nvSpPr>
+          <p:cNvPr id="7" name="內容版面配置區 6">
+            <a:extLst>
+              <a:ext uri="{FF2B5EF4-FFF2-40B4-BE49-F238E27FC236}">
+                <a16:creationId xmlns:a16="http://schemas.microsoft.com/office/drawing/2014/main" id="{1DECF71D-8513-FC38-E9C5-34B8E7DE5116}"/>
+              </a:ext>
+            </a:extLst>
+          </p:cNvPr>
+          <p:cNvSpPr>
+            <a:spLocks noGrp="1"/>
+          </p:cNvSpPr>
+          <p:nvPr>
+            <p:ph idx="1"/>
+          </p:nvPr>
+        </p:nvSpPr>
+        <p:spPr/>
+        <p:txBody>
+          <a:bodyPr/>
+          <a:lstStyle/>
+          <a:p>
+            <a:endParaRPr lang="zh-TW" altLang="en-US"/>
+          </a:p>
+        </p:txBody>
+      </p:sp>
+    </p:spTree>
+    <p:extLst>
+      <p:ext uri="{BB962C8B-B14F-4D97-AF65-F5344CB8AC3E}">
+        <p14:creationId xmlns:p14="http://schemas.microsoft.com/office/powerpoint/2010/main" val="2288088175"/>
+      </p:ext>
+    </p:extLst>
+  </p:cSld>
+  <p:clrMapOvr>
+    <a:masterClrMapping/>
+  </p:clrMapOvr>
+</p:sld>
+</file>
+
+<file path=ppt/slides/slide8.xml><?xml version="1.0" encoding="utf-8"?>
+<p:sld xmlns:a="http://schemas.openxmlformats.org/drawingml/2006/main" xmlns:r="http://schemas.openxmlformats.org/officeDocument/2006/relationships" xmlns:p="http://schemas.openxmlformats.org/presentationml/2006/main">
+  <p:cSld>
+    <p:spTree>
+      <p:nvGrpSpPr>
+        <p:cNvPr id="1" name=""/>
+        <p:cNvGrpSpPr/>
+        <p:nvPr/>
+      </p:nvGrpSpPr>
+      <p:grpSpPr>
+        <a:xfrm>
+          <a:off x="0" y="0"/>
+          <a:ext cx="0" cy="0"/>
+          <a:chOff x="0" y="0"/>
+          <a:chExt cx="0" cy="0"/>
+        </a:xfrm>
+      </p:grpSpPr>
+      <p:sp>
+        <p:nvSpPr>
+          <p:cNvPr id="2" name="標題 1">
+            <a:extLst>
+              <a:ext uri="{FF2B5EF4-FFF2-40B4-BE49-F238E27FC236}">
+                <a16:creationId xmlns:a16="http://schemas.microsoft.com/office/drawing/2014/main" id="{6933AB5A-501A-42CE-440F-61C6524FD709}"/>
+              </a:ext>
+            </a:extLst>
+          </p:cNvPr>
+          <p:cNvSpPr>
+            <a:spLocks noGrp="1"/>
+          </p:cNvSpPr>
+          <p:nvPr>
+            <p:ph type="title"/>
+          </p:nvPr>
+        </p:nvSpPr>
+        <p:spPr>
+          <a:xfrm>
+            <a:off x="639416" y="414821"/>
+            <a:ext cx="10515600" cy="1325563"/>
+          </a:xfrm>
+        </p:spPr>
+        <p:txBody>
+          <a:bodyPr/>
+          <a:lstStyle/>
+          <a:p>
+            <a:r>
+              <a:rPr lang="en-US" altLang="zh-TW" dirty="0">
+                <a:solidFill>
+                  <a:schemeClr val="bg1"/>
+                </a:solidFill>
+                <a:latin typeface="標楷體" panose="03000509000000000000" pitchFamily="65" charset="-120"/>
+                <a:ea typeface="標楷體" panose="03000509000000000000" pitchFamily="65" charset="-120"/>
+              </a:rPr>
+              <a:t>4.</a:t>
+            </a:r>
+            <a:r>
+              <a:rPr lang="zh-TW" altLang="en-US" dirty="0">
+                <a:solidFill>
+                  <a:schemeClr val="bg1"/>
+                </a:solidFill>
+                <a:latin typeface="標楷體" panose="03000509000000000000" pitchFamily="65" charset="-120"/>
+                <a:ea typeface="標楷體" panose="03000509000000000000" pitchFamily="65" charset="-120"/>
+              </a:rPr>
+              <a:t>結果</a:t>
+            </a:r>
+          </a:p>
+        </p:txBody>
+      </p:sp>
+    </p:spTree>
+    <p:extLst>
+      <p:ext uri="{BB962C8B-B14F-4D97-AF65-F5344CB8AC3E}">
+        <p14:creationId xmlns:p14="http://schemas.microsoft.com/office/powerpoint/2010/main" val="2866481843"/>
+      </p:ext>
+    </p:extLst>
+  </p:cSld>
+  <p:clrMapOvr>
+    <a:masterClrMapping/>
+  </p:clrMapOvr>
+  <p:timing>
+    <p:tnLst>
+      <p:par>
+        <p:cTn id="1" dur="indefinite" restart="never" nodeType="tmRoot">
+          <p:childTnLst>
+            <p:video>
+              <p:cMediaNode vol="80000">
+                <p:cTn id="2" repeatCount="indefinite" fill="hold" display="0">
+                  <p:stCondLst>
+                    <p:cond delay="indefinite"/>
+                  </p:stCondLst>
+                </p:cTn>
+                <p:tgtEl>
+                  <p:spTgt spid="3"/>
+                </p:tgtEl>
+              </p:cMediaNode>
+            </p:video>
+          </p:childTnLst>
+        </p:cTn>
+      </p:par>
+    </p:tnLst>
+  </p:timing>
+</p:sld>
+</file>
+
+<file path=ppt/slides/slide9.xml><?xml version="1.0" encoding="utf-8"?>
+<p:sld xmlns:a="http://schemas.openxmlformats.org/drawingml/2006/main" xmlns:r="http://schemas.openxmlformats.org/officeDocument/2006/relationships" xmlns:p="http://schemas.openxmlformats.org/presentationml/2006/main">
+  <p:cSld>
+    <p:spTree>
+      <p:nvGrpSpPr>
+        <p:cNvPr id="1" name=""/>
+        <p:cNvGrpSpPr/>
+        <p:nvPr/>
+      </p:nvGrpSpPr>
+      <p:grpSpPr>
+        <a:xfrm>
+          <a:off x="0" y="0"/>
+          <a:ext cx="0" cy="0"/>
+          <a:chOff x="0" y="0"/>
+          <a:chExt cx="0" cy="0"/>
+        </a:xfrm>
+      </p:grpSpPr>
+      <p:sp>
+        <p:nvSpPr>
+          <p:cNvPr id="2" name="標題 1">
+            <a:extLst>
+              <a:ext uri="{FF2B5EF4-FFF2-40B4-BE49-F238E27FC236}">
+                <a16:creationId xmlns:a16="http://schemas.microsoft.com/office/drawing/2014/main" id="{5867B8AF-3E15-926D-215B-40000975D10F}"/>
+              </a:ext>
+            </a:extLst>
+          </p:cNvPr>
+          <p:cNvSpPr>
+            <a:spLocks noGrp="1"/>
+          </p:cNvSpPr>
+          <p:nvPr>
+            <p:ph type="title"/>
+          </p:nvPr>
+        </p:nvSpPr>
+        <p:spPr/>
+        <p:txBody>
+          <a:bodyPr/>
+          <a:lstStyle/>
+          <a:p>
+            <a:endParaRPr lang="zh-TW" altLang="en-US"/>
+          </a:p>
+        </p:txBody>
+      </p:sp>
+      <p:sp>
+        <p:nvSpPr>
+          <p:cNvPr id="7" name="內容版面配置區 6">
+            <a:extLst>
+              <a:ext uri="{FF2B5EF4-FFF2-40B4-BE49-F238E27FC236}">
+                <a16:creationId xmlns:a16="http://schemas.microsoft.com/office/drawing/2014/main" id="{41748491-F6C2-9626-D211-014F750F8EFF}"/>
+              </a:ext>
+            </a:extLst>
+          </p:cNvPr>
+          <p:cNvSpPr>
+            <a:spLocks noGrp="1"/>
+          </p:cNvSpPr>
+          <p:nvPr>
+            <p:ph idx="1"/>
+          </p:nvPr>
+        </p:nvSpPr>
+        <p:spPr/>
+        <p:txBody>
+          <a:bodyPr/>
+          <a:lstStyle/>
+          <a:p>
+            <a:endParaRPr lang="zh-TW" altLang="en-US"/>
+          </a:p>
+        </p:txBody>
+      </p:sp>
+    </p:spTree>
+    <p:extLst>
+      <p:ext uri="{BB962C8B-B14F-4D97-AF65-F5344CB8AC3E}">
+        <p14:creationId xmlns:p14="http://schemas.microsoft.com/office/powerpoint/2010/main" val="1768510462"/>
       </p:ext>
     </p:extLst>
   </p:cSld>
@@ -3677,4 +6625,299 @@
     </a:ext>
   </a:extLst>
 </a:theme>
+</file>
+
+<file path=ppt/theme/theme2.xml><?xml version="1.0" encoding="utf-8"?>
+<a:theme xmlns:a="http://schemas.openxmlformats.org/drawingml/2006/main" name="Office 佈景主題">
+  <a:themeElements>
+    <a:clrScheme name="Office">
+      <a:dk1>
+        <a:sysClr val="windowText" lastClr="000000"/>
+      </a:dk1>
+      <a:lt1>
+        <a:sysClr val="window" lastClr="FFFFFF"/>
+      </a:lt1>
+      <a:dk2>
+        <a:srgbClr val="44546A"/>
+      </a:dk2>
+      <a:lt2>
+        <a:srgbClr val="E7E6E6"/>
+      </a:lt2>
+      <a:accent1>
+        <a:srgbClr val="4472C4"/>
+      </a:accent1>
+      <a:accent2>
+        <a:srgbClr val="ED7D31"/>
+      </a:accent2>
+      <a:accent3>
+        <a:srgbClr val="A5A5A5"/>
+      </a:accent3>
+      <a:accent4>
+        <a:srgbClr val="FFC000"/>
+      </a:accent4>
+      <a:accent5>
+        <a:srgbClr val="5B9BD5"/>
+      </a:accent5>
+      <a:accent6>
+        <a:srgbClr val="70AD47"/>
+      </a:accent6>
+      <a:hlink>
+        <a:srgbClr val="0563C1"/>
+      </a:hlink>
+      <a:folHlink>
+        <a:srgbClr val="954F72"/>
+      </a:folHlink>
+    </a:clrScheme>
+    <a:fontScheme name="Office">
+      <a:majorFont>
+        <a:latin typeface="Calibri Light" panose="020F0302020204030204"/>
+        <a:ea typeface=""/>
+        <a:cs typeface=""/>
+        <a:font script="Jpan" typeface="游ゴシック Light"/>
+        <a:font script="Hang" typeface="맑은 고딕"/>
+        <a:font script="Hans" typeface="等线 Light"/>
+        <a:font script="Hant" typeface="新細明體"/>
+        <a:font script="Arab" typeface="Times New Roman"/>
+        <a:font script="Hebr" typeface="Times New Roman"/>
+        <a:font script="Thai" typeface="Angsana New"/>
+        <a:font script="Ethi" typeface="Nyala"/>
+        <a:font script="Beng" typeface="Vrinda"/>
+        <a:font script="Gujr" typeface="Shruti"/>
+        <a:font script="Khmr" typeface="MoolBoran"/>
+        <a:font script="Knda" typeface="Tunga"/>
+        <a:font script="Guru" typeface="Raavi"/>
+        <a:font script="Cans" typeface="Euphemia"/>
+        <a:font script="Cher" typeface="Plantagenet Cherokee"/>
+        <a:font script="Yiii" typeface="Microsoft Yi Baiti"/>
+        <a:font script="Tibt" typeface="Microsoft Himalaya"/>
+        <a:font script="Thaa" typeface="MV Boli"/>
+        <a:font script="Deva" typeface="Mangal"/>
+        <a:font script="Telu" typeface="Gautami"/>
+        <a:font script="Taml" typeface="Latha"/>
+        <a:font script="Syrc" typeface="Estrangelo Edessa"/>
+        <a:font script="Orya" typeface="Kalinga"/>
+        <a:font script="Mlym" typeface="Kartika"/>
+        <a:font script="Laoo" typeface="DokChampa"/>
+        <a:font script="Sinh" typeface="Iskoola Pota"/>
+        <a:font script="Mong" typeface="Mongolian Baiti"/>
+        <a:font script="Viet" typeface="Times New Roman"/>
+        <a:font script="Uigh" typeface="Microsoft Uighur"/>
+        <a:font script="Geor" typeface="Sylfaen"/>
+        <a:font script="Armn" typeface="Arial"/>
+        <a:font script="Bugi" typeface="Leelawadee UI"/>
+        <a:font script="Bopo" typeface="Microsoft JhengHei"/>
+        <a:font script="Java" typeface="Javanese Text"/>
+        <a:font script="Lisu" typeface="Segoe UI"/>
+        <a:font script="Mymr" typeface="Myanmar Text"/>
+        <a:font script="Nkoo" typeface="Ebrima"/>
+        <a:font script="Olck" typeface="Nirmala UI"/>
+        <a:font script="Osma" typeface="Ebrima"/>
+        <a:font script="Phag" typeface="Phagspa"/>
+        <a:font script="Syrn" typeface="Estrangelo Edessa"/>
+        <a:font script="Syrj" typeface="Estrangelo Edessa"/>
+        <a:font script="Syre" typeface="Estrangelo Edessa"/>
+        <a:font script="Sora" typeface="Nirmala UI"/>
+        <a:font script="Tale" typeface="Microsoft Tai Le"/>
+        <a:font script="Talu" typeface="Microsoft New Tai Lue"/>
+        <a:font script="Tfng" typeface="Ebrima"/>
+      </a:majorFont>
+      <a:minorFont>
+        <a:latin typeface="Calibri" panose="020F0502020204030204"/>
+        <a:ea typeface=""/>
+        <a:cs typeface=""/>
+        <a:font script="Jpan" typeface="游ゴシック"/>
+        <a:font script="Hang" typeface="맑은 고딕"/>
+        <a:font script="Hans" typeface="等线"/>
+        <a:font script="Hant" typeface="新細明體"/>
+        <a:font script="Arab" typeface="Arial"/>
+        <a:font script="Hebr" typeface="Arial"/>
+        <a:font script="Thai" typeface="Cordia New"/>
+        <a:font script="Ethi" typeface="Nyala"/>
+        <a:font script="Beng" typeface="Vrinda"/>
+        <a:font script="Gujr" typeface="Shruti"/>
+        <a:font script="Khmr" typeface="DaunPenh"/>
+        <a:font script="Knda" typeface="Tunga"/>
+        <a:font script="Guru" typeface="Raavi"/>
+        <a:font script="Cans" typeface="Euphemia"/>
+        <a:font script="Cher" typeface="Plantagenet Cherokee"/>
+        <a:font script="Yiii" typeface="Microsoft Yi Baiti"/>
+        <a:font script="Tibt" typeface="Microsoft Himalaya"/>
+        <a:font script="Thaa" typeface="MV Boli"/>
+        <a:font script="Deva" typeface="Mangal"/>
+        <a:font script="Telu" typeface="Gautami"/>
+        <a:font script="Taml" typeface="Latha"/>
+        <a:font script="Syrc" typeface="Estrangelo Edessa"/>
+        <a:font script="Orya" typeface="Kalinga"/>
+        <a:font script="Mlym" typeface="Kartika"/>
+        <a:font script="Laoo" typeface="DokChampa"/>
+        <a:font script="Sinh" typeface="Iskoola Pota"/>
+        <a:font script="Mong" typeface="Mongolian Baiti"/>
+        <a:font script="Viet" typeface="Arial"/>
+        <a:font script="Uigh" typeface="Microsoft Uighur"/>
+        <a:font script="Geor" typeface="Sylfaen"/>
+        <a:font script="Armn" typeface="Arial"/>
+        <a:font script="Bugi" typeface="Leelawadee UI"/>
+        <a:font script="Bopo" typeface="Microsoft JhengHei"/>
+        <a:font script="Java" typeface="Javanese Text"/>
+        <a:font script="Lisu" typeface="Segoe UI"/>
+        <a:font script="Mymr" typeface="Myanmar Text"/>
+        <a:font script="Nkoo" typeface="Ebrima"/>
+        <a:font script="Olck" typeface="Nirmala UI"/>
+        <a:font script="Osma" typeface="Ebrima"/>
+        <a:font script="Phag" typeface="Phagspa"/>
+        <a:font script="Syrn" typeface="Estrangelo Edessa"/>
+        <a:font script="Syrj" typeface="Estrangelo Edessa"/>
+        <a:font script="Syre" typeface="Estrangelo Edessa"/>
+        <a:font script="Sora" typeface="Nirmala UI"/>
+        <a:font script="Tale" typeface="Microsoft Tai Le"/>
+        <a:font script="Talu" typeface="Microsoft New Tai Lue"/>
+        <a:font script="Tfng" typeface="Ebrima"/>
+      </a:minorFont>
+    </a:fontScheme>
+    <a:fmtScheme name="Office">
+      <a:fillStyleLst>
+        <a:solidFill>
+          <a:schemeClr val="phClr"/>
+        </a:solidFill>
+        <a:gradFill rotWithShape="1">
+          <a:gsLst>
+            <a:gs pos="0">
+              <a:schemeClr val="phClr">
+                <a:lumMod val="110000"/>
+                <a:satMod val="105000"/>
+                <a:tint val="67000"/>
+              </a:schemeClr>
+            </a:gs>
+            <a:gs pos="50000">
+              <a:schemeClr val="phClr">
+                <a:lumMod val="105000"/>
+                <a:satMod val="103000"/>
+                <a:tint val="73000"/>
+              </a:schemeClr>
+            </a:gs>
+            <a:gs pos="100000">
+              <a:schemeClr val="phClr">
+                <a:lumMod val="105000"/>
+                <a:satMod val="109000"/>
+                <a:tint val="81000"/>
+              </a:schemeClr>
+            </a:gs>
+          </a:gsLst>
+          <a:lin ang="5400000" scaled="0"/>
+        </a:gradFill>
+        <a:gradFill rotWithShape="1">
+          <a:gsLst>
+            <a:gs pos="0">
+              <a:schemeClr val="phClr">
+                <a:satMod val="103000"/>
+                <a:lumMod val="102000"/>
+                <a:tint val="94000"/>
+              </a:schemeClr>
+            </a:gs>
+            <a:gs pos="50000">
+              <a:schemeClr val="phClr">
+                <a:satMod val="110000"/>
+                <a:lumMod val="100000"/>
+                <a:shade val="100000"/>
+              </a:schemeClr>
+            </a:gs>
+            <a:gs pos="100000">
+              <a:schemeClr val="phClr">
+                <a:lumMod val="99000"/>
+                <a:satMod val="120000"/>
+                <a:shade val="78000"/>
+              </a:schemeClr>
+            </a:gs>
+          </a:gsLst>
+          <a:lin ang="5400000" scaled="0"/>
+        </a:gradFill>
+      </a:fillStyleLst>
+      <a:lnStyleLst>
+        <a:ln w="6350" cap="flat" cmpd="sng" algn="ctr">
+          <a:solidFill>
+            <a:schemeClr val="phClr"/>
+          </a:solidFill>
+          <a:prstDash val="solid"/>
+          <a:miter lim="800000"/>
+        </a:ln>
+        <a:ln w="12700" cap="flat" cmpd="sng" algn="ctr">
+          <a:solidFill>
+            <a:schemeClr val="phClr"/>
+          </a:solidFill>
+          <a:prstDash val="solid"/>
+          <a:miter lim="800000"/>
+        </a:ln>
+        <a:ln w="19050" cap="flat" cmpd="sng" algn="ctr">
+          <a:solidFill>
+            <a:schemeClr val="phClr"/>
+          </a:solidFill>
+          <a:prstDash val="solid"/>
+          <a:miter lim="800000"/>
+        </a:ln>
+      </a:lnStyleLst>
+      <a:effectStyleLst>
+        <a:effectStyle>
+          <a:effectLst/>
+        </a:effectStyle>
+        <a:effectStyle>
+          <a:effectLst/>
+        </a:effectStyle>
+        <a:effectStyle>
+          <a:effectLst>
+            <a:outerShdw blurRad="57150" dist="19050" dir="5400000" algn="ctr" rotWithShape="0">
+              <a:srgbClr val="000000">
+                <a:alpha val="63000"/>
+              </a:srgbClr>
+            </a:outerShdw>
+          </a:effectLst>
+        </a:effectStyle>
+      </a:effectStyleLst>
+      <a:bgFillStyleLst>
+        <a:solidFill>
+          <a:schemeClr val="phClr"/>
+        </a:solidFill>
+        <a:solidFill>
+          <a:schemeClr val="phClr">
+            <a:tint val="95000"/>
+            <a:satMod val="170000"/>
+          </a:schemeClr>
+        </a:solidFill>
+        <a:gradFill rotWithShape="1">
+          <a:gsLst>
+            <a:gs pos="0">
+              <a:schemeClr val="phClr">
+                <a:tint val="93000"/>
+                <a:satMod val="150000"/>
+                <a:shade val="98000"/>
+                <a:lumMod val="102000"/>
+              </a:schemeClr>
+            </a:gs>
+            <a:gs pos="50000">
+              <a:schemeClr val="phClr">
+                <a:tint val="98000"/>
+                <a:satMod val="130000"/>
+                <a:shade val="90000"/>
+                <a:lumMod val="103000"/>
+              </a:schemeClr>
+            </a:gs>
+            <a:gs pos="100000">
+              <a:schemeClr val="phClr">
+                <a:shade val="63000"/>
+                <a:satMod val="120000"/>
+              </a:schemeClr>
+            </a:gs>
+          </a:gsLst>
+          <a:lin ang="5400000" scaled="0"/>
+        </a:gradFill>
+      </a:bgFillStyleLst>
+    </a:fmtScheme>
+  </a:themeElements>
+  <a:objectDefaults/>
+  <a:extraClrSchemeLst/>
+  <a:extLst>
+    <a:ext uri="{05A4C25C-085E-4340-85A3-A5531E510DB2}">
+      <thm15:themeFamily xmlns:thm15="http://schemas.microsoft.com/office/thememl/2012/main" name="Office Theme" id="{62F939B6-93AF-4DB8-9C6B-D6C7DFDC589F}" vid="{4A3C46E8-61CC-4603-A589-7422A47A8E4A}"/>
+    </a:ext>
+  </a:extLst>
+</a:theme>
 </file>